--- a/notes/07-structs_malloc_2d.pptx
+++ b/notes/07-structs_malloc_2d.pptx
@@ -4055,8 +4055,12 @@
           <a:lstStyle/>
           <a:p>
             <a:r>
-              <a:rPr lang="en-US" smtClean="0"/>
-              <a:t>Strings, Structs</a:t>
+              <a:rPr lang="en-US" dirty="0" smtClean="0"/>
+              <a:t>Strings, </a:t>
+            </a:r>
+            <a:r>
+              <a:rPr lang="en-US" dirty="0" err="1" smtClean="0"/>
+              <a:t>Structs</a:t>
             </a:r>
             <a:r>
               <a:rPr lang="en-US" dirty="0" smtClean="0"/>
@@ -6318,8 +6322,8 @@
         </p:nvSpPr>
         <p:spPr>
           <a:xfrm>
-            <a:off x="4853943" y="3333308"/>
-            <a:ext cx="4451760" cy="461665"/>
+            <a:off x="4425527" y="2874323"/>
+            <a:ext cx="4451760" cy="1200328"/>
           </a:xfrm>
           <a:prstGeom prst="rect">
             <a:avLst/>
@@ -6351,7 +6355,31 @@
             </a:r>
             <a:r>
               <a:rPr lang="en-US" sz="2400" dirty="0" smtClean="0"/>
-              <a:t> library.</a:t>
+              <a:t> library</a:t>
+            </a:r>
+            <a:r>
+              <a:rPr lang="en-US" sz="2400" dirty="0" smtClean="0"/>
+              <a:t>.</a:t>
+            </a:r>
+          </a:p>
+          <a:p>
+            <a:r>
+              <a:rPr lang="en-US" sz="2400" dirty="0" smtClean="0"/>
+              <a:t>Note: if </a:t>
+            </a:r>
+            <a:r>
+              <a:rPr lang="en-US" sz="2400" dirty="0" err="1" smtClean="0"/>
+              <a:t>dst</a:t>
+            </a:r>
+            <a:r>
+              <a:rPr lang="en-US" sz="2400" dirty="0" smtClean="0"/>
+              <a:t> size is too small, </a:t>
+            </a:r>
+          </a:p>
+          <a:p>
+            <a:r>
+              <a:rPr lang="en-US" sz="2400" dirty="0" smtClean="0"/>
+              <a:t>it may not be null-terminated</a:t>
             </a:r>
             <a:endParaRPr lang="en-US" sz="2400" dirty="0"/>
           </a:p>
@@ -16367,7 +16395,17 @@
                 <a:latin typeface="Consolas"/>
                 <a:cs typeface="Consolas"/>
               </a:rPr>
-              <a:t>in *head</a:t>
+              <a:t>in *</a:t>
+            </a:r>
+            <a:r>
+              <a:rPr lang="en-US" altLang="zh-CN" dirty="0" err="1" smtClean="0">
+                <a:solidFill>
+                  <a:srgbClr val="0000FF"/>
+                </a:solidFill>
+                <a:latin typeface="Consolas"/>
+                <a:cs typeface="Consolas"/>
+              </a:rPr>
+              <a:t>headp</a:t>
             </a:r>
             <a:endParaRPr lang="en-US" altLang="zh-CN" dirty="0">
               <a:solidFill>
@@ -16403,21 +16441,21 @@
                 <a:latin typeface="Consolas"/>
                 <a:cs typeface="Consolas"/>
               </a:rPr>
-              <a:t>**head</a:t>
+              <a:t>**</a:t>
+            </a:r>
+            <a:r>
+              <a:rPr lang="en-US" altLang="zh-CN" sz="2000" dirty="0" err="1" smtClean="0">
+                <a:latin typeface="Consolas"/>
+                <a:cs typeface="Consolas"/>
+              </a:rPr>
+              <a:t>headp</a:t>
             </a:r>
             <a:r>
               <a:rPr lang="en-US" altLang="zh-CN" sz="2000" dirty="0" smtClean="0">
                 <a:latin typeface="Consolas"/>
                 <a:cs typeface="Consolas"/>
               </a:rPr>
-              <a:t>, </a:t>
-            </a:r>
-            <a:r>
-              <a:rPr lang="en-US" altLang="zh-CN" sz="2000" dirty="0" smtClean="0">
-                <a:latin typeface="Consolas"/>
-                <a:cs typeface="Consolas"/>
-              </a:rPr>
-              <a:t>long </a:t>
+              <a:t>, long </a:t>
             </a:r>
             <a:r>
               <a:rPr lang="en-US" altLang="zh-CN" sz="2000" dirty="0" err="1" smtClean="0">
@@ -22659,55 +22697,6 @@
       </p:sp>
       <p:sp>
         <p:nvSpPr>
-          <p:cNvPr id="47" name="矩形 5"/>
-          <p:cNvSpPr/>
-          <p:nvPr/>
-        </p:nvSpPr>
-        <p:spPr>
-          <a:xfrm>
-            <a:off x="2996881" y="2663952"/>
-            <a:ext cx="1091998" cy="363510"/>
-          </a:xfrm>
-          <a:prstGeom prst="rect">
-            <a:avLst/>
-          </a:prstGeom>
-          <a:solidFill>
-            <a:schemeClr val="accent1">
-              <a:lumMod val="40000"/>
-              <a:lumOff val="60000"/>
-            </a:schemeClr>
-          </a:solidFill>
-          <a:ln/>
-        </p:spPr>
-        <p:style>
-          <a:lnRef idx="2">
-            <a:schemeClr val="dk1"/>
-          </a:lnRef>
-          <a:fillRef idx="1">
-            <a:schemeClr val="lt1"/>
-          </a:fillRef>
-          <a:effectRef idx="0">
-            <a:schemeClr val="dk1"/>
-          </a:effectRef>
-          <a:fontRef idx="minor">
-            <a:schemeClr val="dk1"/>
-          </a:fontRef>
-        </p:style>
-        <p:txBody>
-          <a:bodyPr rtlCol="0" anchor="ctr"/>
-          <a:lstStyle/>
-          <a:p>
-            <a:pPr algn="ctr"/>
-            <a:r>
-              <a:rPr kumimoji="1" lang="en-US" altLang="zh-CN" dirty="0" smtClean="0"/>
-              <a:t>0x00...00</a:t>
-            </a:r>
-            <a:endParaRPr kumimoji="1" lang="zh-CN" altLang="en-US" dirty="0"/>
-          </a:p>
-        </p:txBody>
-      </p:sp>
-      <p:sp>
-        <p:nvSpPr>
           <p:cNvPr id="48" name="矩形 5"/>
           <p:cNvSpPr/>
           <p:nvPr/>
@@ -23310,75 +23299,7 @@
   <p:timing>
     <p:tnLst>
       <p:par>
-        <p:cTn xmlns:p14="http://schemas.microsoft.com/office/powerpoint/2010/main" id="1" dur="indefinite" restart="never" nodeType="tmRoot">
-          <p:childTnLst>
-            <p:seq concurrent="1" nextAc="seek">
-              <p:cTn id="2" dur="indefinite" nodeType="mainSeq">
-                <p:childTnLst>
-                  <p:par>
-                    <p:cTn id="3" fill="hold">
-                      <p:stCondLst>
-                        <p:cond delay="indefinite"/>
-                      </p:stCondLst>
-                      <p:childTnLst>
-                        <p:par>
-                          <p:cTn id="4" fill="hold">
-                            <p:stCondLst>
-                              <p:cond delay="0"/>
-                            </p:stCondLst>
-                            <p:childTnLst>
-                              <p:par>
-                                <p:cTn id="5" presetID="1" presetClass="entr" presetSubtype="0" fill="hold" nodeType="clickEffect">
-                                  <p:stCondLst>
-                                    <p:cond delay="0"/>
-                                  </p:stCondLst>
-                                  <p:childTnLst>
-                                    <p:set>
-                                      <p:cBhvr>
-                                        <p:cTn id="6" dur="1" fill="hold">
-                                          <p:stCondLst>
-                                            <p:cond delay="0"/>
-                                          </p:stCondLst>
-                                        </p:cTn>
-                                        <p:tgtEl>
-                                          <p:spTgt spid="9"/>
-                                        </p:tgtEl>
-                                        <p:attrNameLst>
-                                          <p:attrName>style.visibility</p:attrName>
-                                        </p:attrNameLst>
-                                      </p:cBhvr>
-                                      <p:to>
-                                        <p:strVal val="visible"/>
-                                      </p:to>
-                                    </p:set>
-                                  </p:childTnLst>
-                                </p:cTn>
-                              </p:par>
-                            </p:childTnLst>
-                          </p:cTn>
-                        </p:par>
-                      </p:childTnLst>
-                    </p:cTn>
-                  </p:par>
-                </p:childTnLst>
-              </p:cTn>
-              <p:prevCondLst>
-                <p:cond evt="onPrev" delay="0">
-                  <p:tgtEl>
-                    <p:sldTgt/>
-                  </p:tgtEl>
-                </p:cond>
-              </p:prevCondLst>
-              <p:nextCondLst>
-                <p:cond evt="onNext" delay="0">
-                  <p:tgtEl>
-                    <p:sldTgt/>
-                  </p:tgtEl>
-                </p:cond>
-              </p:nextCondLst>
-            </p:seq>
-          </p:childTnLst>
-        </p:cTn>
+        <p:cTn xmlns:p14="http://schemas.microsoft.com/office/powerpoint/2010/main" id="1" dur="indefinite" restart="never" nodeType="tmRoot"/>
       </p:par>
     </p:tnLst>
   </p:timing>
@@ -24166,55 +24087,6 @@
           <a:lstStyle/>
           <a:p>
             <a:pPr algn="ctr"/>
-            <a:endParaRPr kumimoji="1" lang="zh-CN" altLang="en-US" dirty="0"/>
-          </a:p>
-        </p:txBody>
-      </p:sp>
-      <p:sp>
-        <p:nvSpPr>
-          <p:cNvPr id="47" name="矩形 5"/>
-          <p:cNvSpPr/>
-          <p:nvPr/>
-        </p:nvSpPr>
-        <p:spPr>
-          <a:xfrm>
-            <a:off x="2996881" y="2663952"/>
-            <a:ext cx="1091998" cy="363510"/>
-          </a:xfrm>
-          <a:prstGeom prst="rect">
-            <a:avLst/>
-          </a:prstGeom>
-          <a:solidFill>
-            <a:schemeClr val="accent1">
-              <a:lumMod val="40000"/>
-              <a:lumOff val="60000"/>
-            </a:schemeClr>
-          </a:solidFill>
-          <a:ln/>
-        </p:spPr>
-        <p:style>
-          <a:lnRef idx="2">
-            <a:schemeClr val="dk1"/>
-          </a:lnRef>
-          <a:fillRef idx="1">
-            <a:schemeClr val="lt1"/>
-          </a:fillRef>
-          <a:effectRef idx="0">
-            <a:schemeClr val="dk1"/>
-          </a:effectRef>
-          <a:fontRef idx="minor">
-            <a:schemeClr val="dk1"/>
-          </a:fontRef>
-        </p:style>
-        <p:txBody>
-          <a:bodyPr rtlCol="0" anchor="ctr"/>
-          <a:lstStyle/>
-          <a:p>
-            <a:pPr algn="ctr"/>
-            <a:r>
-              <a:rPr kumimoji="1" lang="en-US" altLang="zh-CN" dirty="0" smtClean="0"/>
-              <a:t>0x00...00</a:t>
-            </a:r>
             <a:endParaRPr kumimoji="1" lang="zh-CN" altLang="en-US" dirty="0"/>
           </a:p>
         </p:txBody>
@@ -24696,9 +24568,7 @@
         <p:cxnSp>
           <p:nvCxnSpPr>
             <p:cNvPr id="8" name="Curved Connector 7"/>
-            <p:cNvCxnSpPr>
-              <a:endCxn id="47" idx="3"/>
-            </p:cNvCxnSpPr>
+            <p:cNvCxnSpPr/>
             <p:nvPr/>
           </p:nvCxnSpPr>
           <p:spPr>
@@ -24740,7 +24610,7 @@
         </p:nvGrpSpPr>
         <p:grpSpPr>
           <a:xfrm>
-            <a:off x="2996881" y="2641641"/>
+            <a:off x="2996881" y="2651823"/>
             <a:ext cx="1091998" cy="2763193"/>
             <a:chOff x="2996881" y="2641641"/>
             <a:chExt cx="1091998" cy="2763193"/>
@@ -24888,75 +24758,7 @@
   <p:timing>
     <p:tnLst>
       <p:par>
-        <p:cTn xmlns:p14="http://schemas.microsoft.com/office/powerpoint/2010/main" id="1" dur="indefinite" restart="never" nodeType="tmRoot">
-          <p:childTnLst>
-            <p:seq concurrent="1" nextAc="seek">
-              <p:cTn id="2" dur="indefinite" nodeType="mainSeq">
-                <p:childTnLst>
-                  <p:par>
-                    <p:cTn id="3" fill="hold">
-                      <p:stCondLst>
-                        <p:cond delay="indefinite"/>
-                      </p:stCondLst>
-                      <p:childTnLst>
-                        <p:par>
-                          <p:cTn id="4" fill="hold">
-                            <p:stCondLst>
-                              <p:cond delay="0"/>
-                            </p:stCondLst>
-                            <p:childTnLst>
-                              <p:par>
-                                <p:cTn id="5" presetID="1" presetClass="entr" presetSubtype="0" fill="hold" nodeType="clickEffect">
-                                  <p:stCondLst>
-                                    <p:cond delay="0"/>
-                                  </p:stCondLst>
-                                  <p:childTnLst>
-                                    <p:set>
-                                      <p:cBhvr>
-                                        <p:cTn id="6" dur="1" fill="hold">
-                                          <p:stCondLst>
-                                            <p:cond delay="0"/>
-                                          </p:stCondLst>
-                                        </p:cTn>
-                                        <p:tgtEl>
-                                          <p:spTgt spid="9"/>
-                                        </p:tgtEl>
-                                        <p:attrNameLst>
-                                          <p:attrName>style.visibility</p:attrName>
-                                        </p:attrNameLst>
-                                      </p:cBhvr>
-                                      <p:to>
-                                        <p:strVal val="visible"/>
-                                      </p:to>
-                                    </p:set>
-                                  </p:childTnLst>
-                                </p:cTn>
-                              </p:par>
-                            </p:childTnLst>
-                          </p:cTn>
-                        </p:par>
-                      </p:childTnLst>
-                    </p:cTn>
-                  </p:par>
-                </p:childTnLst>
-              </p:cTn>
-              <p:prevCondLst>
-                <p:cond evt="onPrev" delay="0">
-                  <p:tgtEl>
-                    <p:sldTgt/>
-                  </p:tgtEl>
-                </p:cond>
-              </p:prevCondLst>
-              <p:nextCondLst>
-                <p:cond evt="onNext" delay="0">
-                  <p:tgtEl>
-                    <p:sldTgt/>
-                  </p:tgtEl>
-                </p:cond>
-              </p:nextCondLst>
-            </p:seq>
-          </p:childTnLst>
-        </p:cTn>
+        <p:cTn xmlns:p14="http://schemas.microsoft.com/office/powerpoint/2010/main" id="1" dur="indefinite" restart="never" nodeType="tmRoot"/>
       </p:par>
     </p:tnLst>
   </p:timing>
@@ -25697,55 +25499,6 @@
           <a:lstStyle/>
           <a:p>
             <a:pPr algn="ctr"/>
-            <a:endParaRPr kumimoji="1" lang="zh-CN" altLang="en-US" dirty="0"/>
-          </a:p>
-        </p:txBody>
-      </p:sp>
-      <p:sp>
-        <p:nvSpPr>
-          <p:cNvPr id="47" name="矩形 5"/>
-          <p:cNvSpPr/>
-          <p:nvPr/>
-        </p:nvSpPr>
-        <p:spPr>
-          <a:xfrm>
-            <a:off x="2996881" y="2663952"/>
-            <a:ext cx="1091998" cy="363510"/>
-          </a:xfrm>
-          <a:prstGeom prst="rect">
-            <a:avLst/>
-          </a:prstGeom>
-          <a:solidFill>
-            <a:schemeClr val="accent1">
-              <a:lumMod val="40000"/>
-              <a:lumOff val="60000"/>
-            </a:schemeClr>
-          </a:solidFill>
-          <a:ln/>
-        </p:spPr>
-        <p:style>
-          <a:lnRef idx="2">
-            <a:schemeClr val="dk1"/>
-          </a:lnRef>
-          <a:fillRef idx="1">
-            <a:schemeClr val="lt1"/>
-          </a:fillRef>
-          <a:effectRef idx="0">
-            <a:schemeClr val="dk1"/>
-          </a:effectRef>
-          <a:fontRef idx="minor">
-            <a:schemeClr val="dk1"/>
-          </a:fontRef>
-        </p:style>
-        <p:txBody>
-          <a:bodyPr rtlCol="0" anchor="ctr"/>
-          <a:lstStyle/>
-          <a:p>
-            <a:pPr algn="ctr"/>
-            <a:r>
-              <a:rPr kumimoji="1" lang="en-US" altLang="zh-CN" dirty="0" smtClean="0"/>
-              <a:t>0x00...00</a:t>
-            </a:r>
             <a:endParaRPr kumimoji="1" lang="zh-CN" altLang="en-US" dirty="0"/>
           </a:p>
         </p:txBody>
@@ -26231,9 +25984,7 @@
         <p:cxnSp>
           <p:nvCxnSpPr>
             <p:cNvPr id="8" name="Curved Connector 7"/>
-            <p:cNvCxnSpPr>
-              <a:endCxn id="47" idx="3"/>
-            </p:cNvCxnSpPr>
+            <p:cNvCxnSpPr/>
             <p:nvPr/>
           </p:nvCxnSpPr>
           <p:spPr>
@@ -26275,7 +26026,7 @@
         </p:nvGrpSpPr>
         <p:grpSpPr>
           <a:xfrm>
-            <a:off x="2996881" y="2641641"/>
+            <a:off x="2996881" y="2641642"/>
             <a:ext cx="1091998" cy="2763193"/>
             <a:chOff x="2996881" y="2641641"/>
             <a:chExt cx="1091998" cy="2763193"/>
@@ -26462,75 +26213,7 @@
   <p:timing>
     <p:tnLst>
       <p:par>
-        <p:cTn xmlns:p14="http://schemas.microsoft.com/office/powerpoint/2010/main" id="1" dur="indefinite" restart="never" nodeType="tmRoot">
-          <p:childTnLst>
-            <p:seq concurrent="1" nextAc="seek">
-              <p:cTn id="2" dur="indefinite" nodeType="mainSeq">
-                <p:childTnLst>
-                  <p:par>
-                    <p:cTn id="3" fill="hold">
-                      <p:stCondLst>
-                        <p:cond delay="indefinite"/>
-                      </p:stCondLst>
-                      <p:childTnLst>
-                        <p:par>
-                          <p:cTn id="4" fill="hold">
-                            <p:stCondLst>
-                              <p:cond delay="0"/>
-                            </p:stCondLst>
-                            <p:childTnLst>
-                              <p:par>
-                                <p:cTn id="5" presetID="1" presetClass="entr" presetSubtype="0" fill="hold" nodeType="clickEffect">
-                                  <p:stCondLst>
-                                    <p:cond delay="0"/>
-                                  </p:stCondLst>
-                                  <p:childTnLst>
-                                    <p:set>
-                                      <p:cBhvr>
-                                        <p:cTn id="6" dur="1" fill="hold">
-                                          <p:stCondLst>
-                                            <p:cond delay="0"/>
-                                          </p:stCondLst>
-                                        </p:cTn>
-                                        <p:tgtEl>
-                                          <p:spTgt spid="9"/>
-                                        </p:tgtEl>
-                                        <p:attrNameLst>
-                                          <p:attrName>style.visibility</p:attrName>
-                                        </p:attrNameLst>
-                                      </p:cBhvr>
-                                      <p:to>
-                                        <p:strVal val="visible"/>
-                                      </p:to>
-                                    </p:set>
-                                  </p:childTnLst>
-                                </p:cTn>
-                              </p:par>
-                            </p:childTnLst>
-                          </p:cTn>
-                        </p:par>
-                      </p:childTnLst>
-                    </p:cTn>
-                  </p:par>
-                </p:childTnLst>
-              </p:cTn>
-              <p:prevCondLst>
-                <p:cond evt="onPrev" delay="0">
-                  <p:tgtEl>
-                    <p:sldTgt/>
-                  </p:tgtEl>
-                </p:cond>
-              </p:prevCondLst>
-              <p:nextCondLst>
-                <p:cond evt="onNext" delay="0">
-                  <p:tgtEl>
-                    <p:sldTgt/>
-                  </p:tgtEl>
-                </p:cond>
-              </p:nextCondLst>
-            </p:seq>
-          </p:childTnLst>
-        </p:cTn>
+        <p:cTn xmlns:p14="http://schemas.microsoft.com/office/powerpoint/2010/main" id="1" dur="indefinite" restart="never" nodeType="tmRoot"/>
       </p:par>
     </p:tnLst>
   </p:timing>
@@ -28251,8 +27934,32 @@
           <a:p>
             <a:pPr lvl="1"/>
             <a:r>
-              <a:rPr lang="en-US" dirty="0" smtClean="0"/>
-              <a:t>explicitly pass around an integer representing length</a:t>
+              <a:rPr lang="en-US" sz="2400" dirty="0" smtClean="0"/>
+              <a:t>possible solution</a:t>
+            </a:r>
+            <a:r>
+              <a:rPr lang="en-US" sz="2400" dirty="0" smtClean="0"/>
+              <a:t>: explicitly </a:t>
+            </a:r>
+            <a:r>
+              <a:rPr lang="en-US" sz="2400" dirty="0" smtClean="0"/>
+              <a:t>pass </a:t>
+            </a:r>
+            <a:r>
+              <a:rPr lang="en-US" sz="2400" dirty="0" smtClean="0"/>
+              <a:t>an </a:t>
+            </a:r>
+            <a:r>
+              <a:rPr lang="en-US" sz="2400" dirty="0" err="1" smtClean="0"/>
+              <a:t>int</a:t>
+            </a:r>
+            <a:r>
+              <a:rPr lang="en-US" sz="2400" dirty="0" smtClean="0"/>
+              <a:t> </a:t>
+            </a:r>
+            <a:r>
+              <a:rPr lang="en-US" sz="2400" dirty="0" smtClean="0"/>
+              <a:t>representing length</a:t>
             </a:r>
           </a:p>
           <a:p>
@@ -37426,7 +37133,7 @@
         <p:spPr>
           <a:xfrm>
             <a:off x="192928" y="1277473"/>
-            <a:ext cx="8686800" cy="2756127"/>
+            <a:ext cx="8951072" cy="2756127"/>
           </a:xfrm>
         </p:spPr>
         <p:txBody>
@@ -37457,7 +37164,27 @@
             <a:pPr lvl="1"/>
             <a:r>
               <a:rPr lang="en-US" dirty="0" smtClean="0"/>
-              <a:t>explicitly pass around an integer representing length</a:t>
+              <a:t>Possible solution: explicitly </a:t>
+            </a:r>
+            <a:r>
+              <a:rPr lang="en-US" dirty="0" smtClean="0"/>
+              <a:t>pass </a:t>
+            </a:r>
+            <a:r>
+              <a:rPr lang="en-US" dirty="0" smtClean="0"/>
+              <a:t>an </a:t>
+            </a:r>
+            <a:r>
+              <a:rPr lang="en-US" dirty="0" err="1" smtClean="0"/>
+              <a:t>int</a:t>
+            </a:r>
+            <a:r>
+              <a:rPr lang="en-US" dirty="0" smtClean="0"/>
+              <a:t> </a:t>
+            </a:r>
+            <a:r>
+              <a:rPr lang="en-US" dirty="0" smtClean="0"/>
+              <a:t>representing length</a:t>
             </a:r>
           </a:p>
           <a:p>

--- a/notes/07-structs_malloc_2d.pptx
+++ b/notes/07-structs_malloc_2d.pptx
@@ -250,7 +250,7 @@
           <a:p>
             <a:fld id="{3277EE55-0E5E-CE4F-84F8-D8D46C8B9702}" type="datetimeFigureOut">
               <a:rPr lang="en-US" smtClean="0"/>
-              <a:t>2/24/19</a:t>
+              <a:t>2/27/19</a:t>
             </a:fld>
             <a:endParaRPr lang="en-US"/>
           </a:p>
@@ -1232,7 +1232,7 @@
           <a:p>
             <a:fld id="{C4226112-FB80-E549-BB03-BA8A14E31128}" type="datetimeFigureOut">
               <a:rPr lang="en-US" smtClean="0"/>
-              <a:t>2/24/19</a:t>
+              <a:t>2/27/19</a:t>
             </a:fld>
             <a:endParaRPr lang="en-US"/>
           </a:p>
@@ -1402,7 +1402,7 @@
           <a:p>
             <a:fld id="{C4226112-FB80-E549-BB03-BA8A14E31128}" type="datetimeFigureOut">
               <a:rPr lang="en-US" smtClean="0"/>
-              <a:t>2/24/19</a:t>
+              <a:t>2/27/19</a:t>
             </a:fld>
             <a:endParaRPr lang="en-US"/>
           </a:p>
@@ -1582,7 +1582,7 @@
           <a:p>
             <a:fld id="{C4226112-FB80-E549-BB03-BA8A14E31128}" type="datetimeFigureOut">
               <a:rPr lang="en-US" smtClean="0"/>
-              <a:t>2/24/19</a:t>
+              <a:t>2/27/19</a:t>
             </a:fld>
             <a:endParaRPr lang="en-US"/>
           </a:p>
@@ -1752,7 +1752,7 @@
           <a:p>
             <a:fld id="{C4226112-FB80-E549-BB03-BA8A14E31128}" type="datetimeFigureOut">
               <a:rPr lang="en-US" smtClean="0"/>
-              <a:t>2/24/19</a:t>
+              <a:t>2/27/19</a:t>
             </a:fld>
             <a:endParaRPr lang="en-US"/>
           </a:p>
@@ -1998,7 +1998,7 @@
           <a:p>
             <a:fld id="{C4226112-FB80-E549-BB03-BA8A14E31128}" type="datetimeFigureOut">
               <a:rPr lang="en-US" smtClean="0"/>
-              <a:t>2/24/19</a:t>
+              <a:t>2/27/19</a:t>
             </a:fld>
             <a:endParaRPr lang="en-US"/>
           </a:p>
@@ -2286,7 +2286,7 @@
           <a:p>
             <a:fld id="{C4226112-FB80-E549-BB03-BA8A14E31128}" type="datetimeFigureOut">
               <a:rPr lang="en-US" smtClean="0"/>
-              <a:t>2/24/19</a:t>
+              <a:t>2/27/19</a:t>
             </a:fld>
             <a:endParaRPr lang="en-US"/>
           </a:p>
@@ -2708,7 +2708,7 @@
           <a:p>
             <a:fld id="{C4226112-FB80-E549-BB03-BA8A14E31128}" type="datetimeFigureOut">
               <a:rPr lang="en-US" smtClean="0"/>
-              <a:t>2/24/19</a:t>
+              <a:t>2/27/19</a:t>
             </a:fld>
             <a:endParaRPr lang="en-US"/>
           </a:p>
@@ -2826,7 +2826,7 @@
           <a:p>
             <a:fld id="{C4226112-FB80-E549-BB03-BA8A14E31128}" type="datetimeFigureOut">
               <a:rPr lang="en-US" smtClean="0"/>
-              <a:t>2/24/19</a:t>
+              <a:t>2/27/19</a:t>
             </a:fld>
             <a:endParaRPr lang="en-US"/>
           </a:p>
@@ -2921,7 +2921,7 @@
           <a:p>
             <a:fld id="{C4226112-FB80-E549-BB03-BA8A14E31128}" type="datetimeFigureOut">
               <a:rPr lang="en-US" smtClean="0"/>
-              <a:t>2/24/19</a:t>
+              <a:t>2/27/19</a:t>
             </a:fld>
             <a:endParaRPr lang="en-US"/>
           </a:p>
@@ -3198,7 +3198,7 @@
           <a:p>
             <a:fld id="{C4226112-FB80-E549-BB03-BA8A14E31128}" type="datetimeFigureOut">
               <a:rPr lang="en-US" smtClean="0"/>
-              <a:t>2/24/19</a:t>
+              <a:t>2/27/19</a:t>
             </a:fld>
             <a:endParaRPr lang="en-US"/>
           </a:p>
@@ -3451,7 +3451,7 @@
           <a:p>
             <a:fld id="{C4226112-FB80-E549-BB03-BA8A14E31128}" type="datetimeFigureOut">
               <a:rPr lang="en-US" smtClean="0"/>
-              <a:t>2/24/19</a:t>
+              <a:t>2/27/19</a:t>
             </a:fld>
             <a:endParaRPr lang="en-US"/>
           </a:p>
@@ -3664,7 +3664,7 @@
           <a:p>
             <a:fld id="{C4226112-FB80-E549-BB03-BA8A14E31128}" type="datetimeFigureOut">
               <a:rPr lang="en-US" smtClean="0"/>
-              <a:t>2/24/19</a:t>
+              <a:t>2/27/19</a:t>
             </a:fld>
             <a:endParaRPr lang="en-US"/>
           </a:p>
@@ -6355,11 +6355,7 @@
             </a:r>
             <a:r>
               <a:rPr lang="en-US" sz="2400" dirty="0" smtClean="0"/>
-              <a:t> library</a:t>
-            </a:r>
-            <a:r>
-              <a:rPr lang="en-US" sz="2400" dirty="0" smtClean="0"/>
-              <a:t>.</a:t>
+              <a:t> library.</a:t>
             </a:r>
           </a:p>
           <a:p>
@@ -11771,7 +11767,6 @@
               <a:rPr lang="en-US" dirty="0" smtClean="0"/>
               <a:t>itwise operations</a:t>
             </a:r>
-            <a:endParaRPr lang="en-US" dirty="0" smtClean="0"/>
           </a:p>
           <a:p>
             <a:r>
@@ -11784,7 +11779,6 @@
               <a:rPr lang="en-US" dirty="0" smtClean="0"/>
               <a:t>ASCII Characters </a:t>
             </a:r>
-            <a:endParaRPr lang="en-US" dirty="0" smtClean="0"/>
           </a:p>
         </p:txBody>
       </p:sp>
@@ -11964,7 +11958,6 @@
               <a:rPr lang="en-US" dirty="0" smtClean="0"/>
               <a:t>strings</a:t>
             </a:r>
-            <a:endParaRPr lang="en-US" dirty="0" smtClean="0"/>
           </a:p>
           <a:p>
             <a:r>
@@ -16164,14 +16157,7 @@
                 <a:latin typeface="Consolas"/>
                 <a:cs typeface="Consolas"/>
               </a:rPr>
-              <a:t>     </a:t>
-            </a:r>
-            <a:r>
-              <a:rPr lang="en-US" altLang="zh-CN" sz="2000" dirty="0" smtClean="0">
-                <a:latin typeface="Consolas"/>
-                <a:cs typeface="Consolas"/>
-              </a:rPr>
-              <a:t>long </a:t>
+              <a:t>     long </a:t>
             </a:r>
             <a:r>
               <a:rPr lang="en-US" altLang="zh-CN" sz="2000" dirty="0" err="1" smtClean="0">
@@ -16286,8 +16272,10 @@
                 <a:latin typeface="Consolas"/>
                 <a:cs typeface="Consolas"/>
               </a:rPr>
-              <a:t> into linked list to the head </a:t>
-            </a:r>
+              <a:t> into linked list to the head of the linked </a:t>
+            </a:r>
+          </a:p>
+          <a:p>
             <a:r>
               <a:rPr lang="en-US" altLang="zh-CN" dirty="0" smtClean="0">
                 <a:solidFill>
@@ -16296,86 +16284,7 @@
                 <a:latin typeface="Consolas"/>
                 <a:cs typeface="Consolas"/>
               </a:rPr>
-              <a:t>of </a:t>
-            </a:r>
-            <a:r>
-              <a:rPr lang="en-US" altLang="zh-CN" dirty="0" smtClean="0">
-                <a:solidFill>
-                  <a:srgbClr val="0000FF"/>
-                </a:solidFill>
-                <a:latin typeface="Consolas"/>
-                <a:cs typeface="Consolas"/>
-              </a:rPr>
-              <a:t>the linked </a:t>
-            </a:r>
-            <a:endParaRPr lang="en-US" altLang="zh-CN" dirty="0" smtClean="0">
-              <a:solidFill>
-                <a:srgbClr val="0000FF"/>
-              </a:solidFill>
-              <a:latin typeface="Consolas"/>
-              <a:cs typeface="Consolas"/>
-            </a:endParaRPr>
-          </a:p>
-          <a:p>
-            <a:r>
-              <a:rPr lang="en-US" altLang="zh-CN" dirty="0" smtClean="0">
-                <a:solidFill>
-                  <a:srgbClr val="0000FF"/>
-                </a:solidFill>
-                <a:latin typeface="Consolas"/>
-                <a:cs typeface="Consolas"/>
-              </a:rPr>
-              <a:t>// </a:t>
-            </a:r>
-            <a:r>
-              <a:rPr lang="en-US" altLang="zh-CN" dirty="0" smtClean="0">
-                <a:solidFill>
-                  <a:srgbClr val="0000FF"/>
-                </a:solidFill>
-                <a:latin typeface="Consolas"/>
-                <a:cs typeface="Consolas"/>
-              </a:rPr>
-              <a:t>list </a:t>
-            </a:r>
-            <a:r>
-              <a:rPr lang="en-US" altLang="zh-CN" dirty="0" smtClean="0">
-                <a:solidFill>
-                  <a:srgbClr val="0000FF"/>
-                </a:solidFill>
-                <a:latin typeface="Consolas"/>
-                <a:cs typeface="Consolas"/>
-              </a:rPr>
-              <a:t>and return the </a:t>
-            </a:r>
-            <a:r>
-              <a:rPr lang="en-US" altLang="zh-CN" dirty="0" smtClean="0">
-                <a:solidFill>
-                  <a:srgbClr val="0000FF"/>
-                </a:solidFill>
-                <a:latin typeface="Consolas"/>
-                <a:cs typeface="Consolas"/>
-              </a:rPr>
-              <a:t>new </a:t>
-            </a:r>
-            <a:r>
-              <a:rPr lang="en-US" altLang="zh-CN" dirty="0" smtClean="0">
-                <a:solidFill>
-                  <a:srgbClr val="0000FF"/>
-                </a:solidFill>
-                <a:latin typeface="Consolas"/>
-                <a:cs typeface="Consolas"/>
-              </a:rPr>
-              <a:t>head of the </a:t>
-            </a:r>
-            <a:r>
-              <a:rPr lang="en-US" altLang="zh-CN" dirty="0" smtClean="0">
-                <a:solidFill>
-                  <a:srgbClr val="0000FF"/>
-                </a:solidFill>
-                <a:latin typeface="Consolas"/>
-                <a:cs typeface="Consolas"/>
-              </a:rPr>
-              <a:t>list</a:t>
+              <a:t>// list and return the new head of the list</a:t>
             </a:r>
             <a:r>
               <a:rPr lang="en-US" altLang="zh-CN" dirty="0">
@@ -16423,10 +16332,6 @@
               </a:rPr>
               <a:t>void</a:t>
             </a:r>
-            <a:endParaRPr lang="en-US" altLang="zh-CN" sz="2000" dirty="0" smtClean="0">
-              <a:latin typeface="Consolas"/>
-              <a:cs typeface="Consolas"/>
-            </a:endParaRPr>
           </a:p>
           <a:p>
             <a:r>
@@ -16434,14 +16339,7 @@
                 <a:latin typeface="Consolas"/>
                 <a:cs typeface="Consolas"/>
               </a:rPr>
-              <a:t>insert(node </a:t>
-            </a:r>
-            <a:r>
-              <a:rPr lang="en-US" altLang="zh-CN" sz="2000" dirty="0" smtClean="0">
-                <a:latin typeface="Consolas"/>
-                <a:cs typeface="Consolas"/>
-              </a:rPr>
-              <a:t>**</a:t>
+              <a:t>insert(node **</a:t>
             </a:r>
             <a:r>
               <a:rPr lang="en-US" altLang="zh-CN" sz="2000" dirty="0" err="1" smtClean="0">
@@ -16542,14 +16440,35 @@
                 <a:latin typeface="Consolas"/>
                 <a:cs typeface="Consolas"/>
               </a:rPr>
-              <a:t> for </a:t>
+              <a:t> for (long </a:t>
+            </a:r>
+            <a:r>
+              <a:rPr lang="en-US" altLang="zh-CN" sz="2000" dirty="0" err="1" smtClean="0">
+                <a:latin typeface="Consolas"/>
+                <a:cs typeface="Consolas"/>
+              </a:rPr>
+              <a:t>i</a:t>
             </a:r>
             <a:r>
               <a:rPr lang="en-US" altLang="zh-CN" sz="2000" dirty="0" smtClean="0">
                 <a:latin typeface="Consolas"/>
                 <a:cs typeface="Consolas"/>
               </a:rPr>
-              <a:t>(long </a:t>
+              <a:t> = </a:t>
+            </a:r>
+            <a:r>
+              <a:rPr lang="en-US" altLang="zh-CN" sz="2000" dirty="0">
+                <a:latin typeface="Consolas"/>
+                <a:cs typeface="Consolas"/>
+              </a:rPr>
+              <a:t>1</a:t>
+            </a:r>
+            <a:r>
+              <a:rPr lang="en-US" altLang="zh-CN" sz="2000" dirty="0" smtClean="0">
+                <a:latin typeface="Consolas"/>
+                <a:cs typeface="Consolas"/>
+              </a:rPr>
+              <a:t>0; </a:t>
             </a:r>
             <a:r>
               <a:rPr lang="en-US" altLang="zh-CN" sz="2000" dirty="0" err="1" smtClean="0">
@@ -16563,6 +16482,30 @@
                 <a:latin typeface="Consolas"/>
                 <a:cs typeface="Consolas"/>
               </a:rPr>
+              <a:t> &lt; 13; </a:t>
+            </a:r>
+            <a:r>
+              <a:rPr lang="en-US" altLang="zh-CN" sz="2000" dirty="0" err="1" smtClean="0">
+                <a:latin typeface="Consolas"/>
+                <a:cs typeface="Consolas"/>
+              </a:rPr>
+              <a:t>i</a:t>
+            </a:r>
+            <a:r>
+              <a:rPr lang="en-US" altLang="zh-CN" sz="2000" dirty="0" smtClean="0">
+                <a:latin typeface="Consolas"/>
+                <a:cs typeface="Consolas"/>
+              </a:rPr>
+              <a:t>++) </a:t>
+            </a:r>
+          </a:p>
+          <a:p>
+            <a:pPr lvl="1"/>
+            <a:r>
+              <a:rPr lang="en-US" altLang="zh-CN" sz="2000" dirty="0">
+                <a:latin typeface="Consolas"/>
+                <a:cs typeface="Consolas"/>
+              </a:rPr>
               <a:t> </a:t>
             </a:r>
             <a:r>
@@ -16570,101 +16513,7 @@
                 <a:latin typeface="Consolas"/>
                 <a:cs typeface="Consolas"/>
               </a:rPr>
-              <a:t>= </a:t>
-            </a:r>
-            <a:r>
-              <a:rPr lang="en-US" altLang="zh-CN" sz="2000" dirty="0">
-                <a:latin typeface="Consolas"/>
-                <a:cs typeface="Consolas"/>
-              </a:rPr>
-              <a:t>1</a:t>
-            </a:r>
-            <a:r>
-              <a:rPr lang="en-US" altLang="zh-CN" sz="2000" dirty="0" smtClean="0">
-                <a:latin typeface="Consolas"/>
-                <a:cs typeface="Consolas"/>
-              </a:rPr>
-              <a:t>0</a:t>
-            </a:r>
-            <a:r>
-              <a:rPr lang="en-US" altLang="zh-CN" sz="2000" dirty="0" smtClean="0">
-                <a:latin typeface="Consolas"/>
-                <a:cs typeface="Consolas"/>
-              </a:rPr>
-              <a:t>; </a:t>
-            </a:r>
-            <a:r>
-              <a:rPr lang="en-US" altLang="zh-CN" sz="2000" dirty="0" err="1" smtClean="0">
-                <a:latin typeface="Consolas"/>
-                <a:cs typeface="Consolas"/>
-              </a:rPr>
-              <a:t>i</a:t>
-            </a:r>
-            <a:r>
-              <a:rPr lang="en-US" altLang="zh-CN" sz="2000" dirty="0" smtClean="0">
-                <a:latin typeface="Consolas"/>
-                <a:cs typeface="Consolas"/>
-              </a:rPr>
-              <a:t> &lt; </a:t>
-            </a:r>
-            <a:r>
-              <a:rPr lang="en-US" altLang="zh-CN" sz="2000" dirty="0" smtClean="0">
-                <a:latin typeface="Consolas"/>
-                <a:cs typeface="Consolas"/>
-              </a:rPr>
-              <a:t>13</a:t>
-            </a:r>
-            <a:r>
-              <a:rPr lang="en-US" altLang="zh-CN" sz="2000" dirty="0" smtClean="0">
-                <a:latin typeface="Consolas"/>
-                <a:cs typeface="Consolas"/>
-              </a:rPr>
-              <a:t>; </a:t>
-            </a:r>
-            <a:r>
-              <a:rPr lang="en-US" altLang="zh-CN" sz="2000" dirty="0" err="1" smtClean="0">
-                <a:latin typeface="Consolas"/>
-                <a:cs typeface="Consolas"/>
-              </a:rPr>
-              <a:t>i</a:t>
-            </a:r>
-            <a:r>
-              <a:rPr lang="en-US" altLang="zh-CN" sz="2000" dirty="0" smtClean="0">
-                <a:latin typeface="Consolas"/>
-                <a:cs typeface="Consolas"/>
-              </a:rPr>
-              <a:t>++) </a:t>
-            </a:r>
-          </a:p>
-          <a:p>
-            <a:pPr lvl="1"/>
-            <a:r>
-              <a:rPr lang="en-US" altLang="zh-CN" sz="2000" dirty="0">
-                <a:latin typeface="Consolas"/>
-                <a:cs typeface="Consolas"/>
-              </a:rPr>
-              <a:t> </a:t>
-            </a:r>
-            <a:r>
-              <a:rPr lang="en-US" altLang="zh-CN" sz="2000" dirty="0" smtClean="0">
-                <a:latin typeface="Consolas"/>
-                <a:cs typeface="Consolas"/>
-              </a:rPr>
-              <a:t>   </a:t>
-            </a:r>
-            <a:r>
-              <a:rPr lang="en-US" altLang="zh-CN" sz="2000" dirty="0" smtClean="0">
-                <a:latin typeface="Consolas"/>
-                <a:cs typeface="Consolas"/>
-              </a:rPr>
-              <a:t>insert(&amp;head</a:t>
-            </a:r>
-            <a:r>
-              <a:rPr lang="en-US" altLang="zh-CN" sz="2000" dirty="0" smtClean="0">
-                <a:latin typeface="Consolas"/>
-                <a:cs typeface="Consolas"/>
-              </a:rPr>
-              <a:t>, </a:t>
+              <a:t>   insert(&amp;head, </a:t>
             </a:r>
             <a:r>
               <a:rPr lang="en-US" altLang="zh-CN" sz="2000" dirty="0" err="1" smtClean="0">
@@ -16785,28 +16634,7 @@
                 <a:latin typeface="Consolas"/>
                 <a:cs typeface="Consolas"/>
               </a:rPr>
-              <a:t>void </a:t>
-            </a:r>
-            <a:r>
-              <a:rPr lang="en-US" dirty="0" smtClean="0">
-                <a:latin typeface="Consolas"/>
-                <a:cs typeface="Consolas"/>
-              </a:rPr>
-              <a:t>insert</a:t>
-            </a:r>
-            <a:r>
-              <a:rPr lang="en-US" dirty="0" smtClean="0">
-                <a:latin typeface="Consolas"/>
-                <a:cs typeface="Consolas"/>
-              </a:rPr>
-              <a:t>(node </a:t>
-            </a:r>
-            <a:r>
-              <a:rPr lang="en-US" dirty="0" smtClean="0">
-                <a:latin typeface="Consolas"/>
-                <a:cs typeface="Consolas"/>
-              </a:rPr>
-              <a:t>**</a:t>
+              <a:t>void insert(node **</a:t>
             </a:r>
             <a:r>
               <a:rPr lang="en-US" dirty="0" err="1" smtClean="0">
@@ -16849,33 +16677,44 @@
               </a:rPr>
               <a:t>{</a:t>
             </a:r>
+          </a:p>
+          <a:p>
+            <a:r>
+              <a:rPr lang="en-US" dirty="0" smtClean="0">
+                <a:latin typeface="Consolas"/>
+                <a:cs typeface="Consolas"/>
+              </a:rPr>
+              <a:t>   </a:t>
+            </a:r>
+          </a:p>
+          <a:p>
+            <a:endParaRPr lang="en-US" dirty="0">
+              <a:latin typeface="Consolas"/>
+              <a:cs typeface="Consolas"/>
+            </a:endParaRPr>
+          </a:p>
+          <a:p>
             <a:endParaRPr lang="en-US" dirty="0" smtClean="0">
               <a:latin typeface="Consolas"/>
               <a:cs typeface="Consolas"/>
             </a:endParaRPr>
           </a:p>
           <a:p>
-            <a:r>
-              <a:rPr lang="en-US" dirty="0" smtClean="0">
-                <a:latin typeface="Consolas"/>
-                <a:cs typeface="Consolas"/>
-              </a:rPr>
-              <a:t>   </a:t>
-            </a:r>
-          </a:p>
-          <a:p>
-            <a:endParaRPr lang="en-US" dirty="0">
-              <a:latin typeface="Consolas"/>
-              <a:cs typeface="Consolas"/>
-            </a:endParaRPr>
-          </a:p>
-          <a:p>
             <a:endParaRPr lang="en-US" dirty="0" smtClean="0">
               <a:latin typeface="Consolas"/>
               <a:cs typeface="Consolas"/>
             </a:endParaRPr>
           </a:p>
           <a:p>
+            <a:r>
+              <a:rPr lang="en-US" dirty="0" smtClean="0">
+                <a:latin typeface="Consolas"/>
+                <a:cs typeface="Consolas"/>
+              </a:rPr>
+              <a:t>}</a:t>
+            </a:r>
+          </a:p>
+          <a:p>
             <a:endParaRPr lang="en-US" dirty="0" smtClean="0">
               <a:latin typeface="Consolas"/>
               <a:cs typeface="Consolas"/>
@@ -16883,194 +16722,171 @@
           </a:p>
           <a:p>
             <a:r>
+              <a:rPr lang="en-US" dirty="0" err="1" smtClean="0">
+                <a:latin typeface="Consolas"/>
+                <a:cs typeface="Consolas"/>
+              </a:rPr>
+              <a:t>int</a:t>
+            </a:r>
+            <a:r>
               <a:rPr lang="en-US" dirty="0" smtClean="0">
                 <a:latin typeface="Consolas"/>
                 <a:cs typeface="Consolas"/>
               </a:rPr>
+              <a:t> main()</a:t>
+            </a:r>
+          </a:p>
+          <a:p>
+            <a:r>
+              <a:rPr lang="en-US" dirty="0" smtClean="0">
+                <a:latin typeface="Consolas"/>
+                <a:cs typeface="Consolas"/>
+              </a:rPr>
+              <a:t>{</a:t>
+            </a:r>
+          </a:p>
+          <a:p>
+            <a:r>
+              <a:rPr lang="en-US" dirty="0">
+                <a:latin typeface="Consolas"/>
+                <a:cs typeface="Consolas"/>
+              </a:rPr>
+              <a:t> </a:t>
+            </a:r>
+            <a:r>
+              <a:rPr lang="en-US" dirty="0" smtClean="0">
+                <a:latin typeface="Consolas"/>
+                <a:cs typeface="Consolas"/>
+              </a:rPr>
+              <a:t>   node *head = NULL;</a:t>
+            </a:r>
+          </a:p>
+          <a:p>
+            <a:r>
+              <a:rPr lang="en-US" dirty="0">
+                <a:latin typeface="Consolas"/>
+                <a:cs typeface="Consolas"/>
+              </a:rPr>
+              <a:t> </a:t>
+            </a:r>
+            <a:r>
+              <a:rPr lang="en-US" dirty="0" smtClean="0">
+                <a:latin typeface="Consolas"/>
+                <a:cs typeface="Consolas"/>
+              </a:rPr>
+              <a:t>   for (long </a:t>
+            </a:r>
+            <a:r>
+              <a:rPr lang="en-US" dirty="0" err="1" smtClean="0">
+                <a:latin typeface="Consolas"/>
+                <a:cs typeface="Consolas"/>
+              </a:rPr>
+              <a:t>i</a:t>
+            </a:r>
+            <a:r>
+              <a:rPr lang="en-US" dirty="0" smtClean="0">
+                <a:latin typeface="Consolas"/>
+                <a:cs typeface="Consolas"/>
+              </a:rPr>
+              <a:t> = 10; </a:t>
+            </a:r>
+            <a:r>
+              <a:rPr lang="en-US" dirty="0" err="1" smtClean="0">
+                <a:latin typeface="Consolas"/>
+                <a:cs typeface="Consolas"/>
+              </a:rPr>
+              <a:t>i</a:t>
+            </a:r>
+            <a:r>
+              <a:rPr lang="en-US" dirty="0" smtClean="0">
+                <a:latin typeface="Consolas"/>
+                <a:cs typeface="Consolas"/>
+              </a:rPr>
+              <a:t> &lt; 13; </a:t>
+            </a:r>
+            <a:r>
+              <a:rPr lang="en-US" dirty="0" err="1" smtClean="0">
+                <a:latin typeface="Consolas"/>
+                <a:cs typeface="Consolas"/>
+              </a:rPr>
+              <a:t>i</a:t>
+            </a:r>
+            <a:r>
+              <a:rPr lang="en-US" dirty="0" smtClean="0">
+                <a:latin typeface="Consolas"/>
+                <a:cs typeface="Consolas"/>
+              </a:rPr>
+              <a:t>++) {</a:t>
+            </a:r>
+          </a:p>
+          <a:p>
+            <a:r>
+              <a:rPr lang="en-US" dirty="0">
+                <a:latin typeface="Consolas"/>
+                <a:cs typeface="Consolas"/>
+              </a:rPr>
+              <a:t> </a:t>
+            </a:r>
+            <a:r>
+              <a:rPr lang="en-US" dirty="0" smtClean="0">
+                <a:latin typeface="Consolas"/>
+                <a:cs typeface="Consolas"/>
+              </a:rPr>
+              <a:t>   </a:t>
+            </a:r>
+            <a:r>
+              <a:rPr lang="en-US" dirty="0">
+                <a:latin typeface="Consolas"/>
+                <a:cs typeface="Consolas"/>
+              </a:rPr>
+              <a:t> </a:t>
+            </a:r>
+            <a:r>
+              <a:rPr lang="en-US" dirty="0" smtClean="0">
+                <a:latin typeface="Consolas"/>
+                <a:cs typeface="Consolas"/>
+              </a:rPr>
+              <a:t>   insert(&amp;head, </a:t>
+            </a:r>
+            <a:r>
+              <a:rPr lang="en-US" dirty="0" err="1" smtClean="0">
+                <a:latin typeface="Consolas"/>
+                <a:cs typeface="Consolas"/>
+              </a:rPr>
+              <a:t>i</a:t>
+            </a:r>
+            <a:r>
+              <a:rPr lang="en-US" dirty="0" smtClean="0">
+                <a:latin typeface="Consolas"/>
+                <a:cs typeface="Consolas"/>
+              </a:rPr>
+              <a:t>);</a:t>
+            </a:r>
+          </a:p>
+          <a:p>
+            <a:r>
+              <a:rPr lang="en-US" dirty="0">
+                <a:latin typeface="Consolas"/>
+                <a:cs typeface="Consolas"/>
+              </a:rPr>
+              <a:t> </a:t>
+            </a:r>
+            <a:r>
+              <a:rPr lang="en-US" dirty="0" smtClean="0">
+                <a:latin typeface="Consolas"/>
+                <a:cs typeface="Consolas"/>
+              </a:rPr>
+              <a:t>   }  </a:t>
+            </a:r>
+          </a:p>
+          <a:p>
+            <a:r>
+              <a:rPr lang="en-US" dirty="0">
+                <a:latin typeface="Consolas"/>
+                <a:cs typeface="Consolas"/>
+              </a:rPr>
               <a:t>}</a:t>
             </a:r>
-          </a:p>
-          <a:p>
-            <a:endParaRPr lang="en-US" dirty="0" smtClean="0">
-              <a:latin typeface="Consolas"/>
-              <a:cs typeface="Consolas"/>
-            </a:endParaRPr>
-          </a:p>
-          <a:p>
-            <a:r>
-              <a:rPr lang="en-US" dirty="0" err="1" smtClean="0">
-                <a:latin typeface="Consolas"/>
-                <a:cs typeface="Consolas"/>
-              </a:rPr>
-              <a:t>int</a:t>
-            </a:r>
-            <a:r>
-              <a:rPr lang="en-US" dirty="0" smtClean="0">
-                <a:latin typeface="Consolas"/>
-                <a:cs typeface="Consolas"/>
-              </a:rPr>
-              <a:t> main()</a:t>
-            </a:r>
-          </a:p>
-          <a:p>
-            <a:r>
-              <a:rPr lang="en-US" dirty="0" smtClean="0">
-                <a:latin typeface="Consolas"/>
-                <a:cs typeface="Consolas"/>
-              </a:rPr>
-              <a:t>{</a:t>
-            </a:r>
-          </a:p>
-          <a:p>
-            <a:r>
-              <a:rPr lang="en-US" dirty="0">
-                <a:latin typeface="Consolas"/>
-                <a:cs typeface="Consolas"/>
-              </a:rPr>
-              <a:t> </a:t>
-            </a:r>
-            <a:r>
-              <a:rPr lang="en-US" dirty="0" smtClean="0">
-                <a:latin typeface="Consolas"/>
-                <a:cs typeface="Consolas"/>
-              </a:rPr>
-              <a:t>   node *head = NULL;</a:t>
-            </a:r>
-          </a:p>
-          <a:p>
-            <a:r>
-              <a:rPr lang="en-US" dirty="0">
-                <a:latin typeface="Consolas"/>
-                <a:cs typeface="Consolas"/>
-              </a:rPr>
-              <a:t> </a:t>
-            </a:r>
-            <a:r>
-              <a:rPr lang="en-US" dirty="0" smtClean="0">
-                <a:latin typeface="Consolas"/>
-                <a:cs typeface="Consolas"/>
-              </a:rPr>
-              <a:t>   for (long </a:t>
-            </a:r>
-            <a:r>
-              <a:rPr lang="en-US" dirty="0" err="1" smtClean="0">
-                <a:latin typeface="Consolas"/>
-                <a:cs typeface="Consolas"/>
-              </a:rPr>
-              <a:t>i</a:t>
-            </a:r>
-            <a:r>
-              <a:rPr lang="en-US" dirty="0" smtClean="0">
-                <a:latin typeface="Consolas"/>
-                <a:cs typeface="Consolas"/>
-              </a:rPr>
-              <a:t> = 10; </a:t>
-            </a:r>
-            <a:r>
-              <a:rPr lang="en-US" dirty="0" err="1" smtClean="0">
-                <a:latin typeface="Consolas"/>
-                <a:cs typeface="Consolas"/>
-              </a:rPr>
-              <a:t>i</a:t>
-            </a:r>
-            <a:r>
-              <a:rPr lang="en-US" dirty="0" smtClean="0">
-                <a:latin typeface="Consolas"/>
-                <a:cs typeface="Consolas"/>
-              </a:rPr>
-              <a:t> &lt; 13; </a:t>
-            </a:r>
-            <a:r>
-              <a:rPr lang="en-US" dirty="0" err="1" smtClean="0">
-                <a:latin typeface="Consolas"/>
-                <a:cs typeface="Consolas"/>
-              </a:rPr>
-              <a:t>i</a:t>
-            </a:r>
-            <a:r>
-              <a:rPr lang="en-US" dirty="0" smtClean="0">
-                <a:latin typeface="Consolas"/>
-                <a:cs typeface="Consolas"/>
-              </a:rPr>
-              <a:t>++) {</a:t>
-            </a:r>
-          </a:p>
-          <a:p>
-            <a:r>
-              <a:rPr lang="en-US" dirty="0">
-                <a:latin typeface="Consolas"/>
-                <a:cs typeface="Consolas"/>
-              </a:rPr>
-              <a:t> </a:t>
-            </a:r>
-            <a:r>
-              <a:rPr lang="en-US" dirty="0" smtClean="0">
-                <a:latin typeface="Consolas"/>
-                <a:cs typeface="Consolas"/>
-              </a:rPr>
-              <a:t>   </a:t>
-            </a:r>
-            <a:r>
-              <a:rPr lang="en-US" dirty="0">
-                <a:latin typeface="Consolas"/>
-                <a:cs typeface="Consolas"/>
-              </a:rPr>
-              <a:t> </a:t>
-            </a:r>
-            <a:r>
-              <a:rPr lang="en-US" dirty="0" smtClean="0">
-                <a:latin typeface="Consolas"/>
-                <a:cs typeface="Consolas"/>
-              </a:rPr>
-              <a:t>   insert(&amp;head, </a:t>
-            </a:r>
-            <a:r>
-              <a:rPr lang="en-US" dirty="0" err="1" smtClean="0">
-                <a:latin typeface="Consolas"/>
-                <a:cs typeface="Consolas"/>
-              </a:rPr>
-              <a:t>i</a:t>
-            </a:r>
-            <a:r>
-              <a:rPr lang="en-US" dirty="0" smtClean="0">
-                <a:latin typeface="Consolas"/>
-                <a:cs typeface="Consolas"/>
-              </a:rPr>
-              <a:t>);</a:t>
-            </a:r>
-          </a:p>
-          <a:p>
-            <a:r>
-              <a:rPr lang="en-US" dirty="0">
-                <a:latin typeface="Consolas"/>
-                <a:cs typeface="Consolas"/>
-              </a:rPr>
-              <a:t> </a:t>
-            </a:r>
-            <a:r>
-              <a:rPr lang="en-US" dirty="0" smtClean="0">
-                <a:latin typeface="Consolas"/>
-                <a:cs typeface="Consolas"/>
-              </a:rPr>
-              <a:t>   }  </a:t>
-            </a:r>
-            <a:endParaRPr lang="en-US" dirty="0" smtClean="0">
-              <a:latin typeface="Consolas"/>
-              <a:cs typeface="Consolas"/>
-            </a:endParaRPr>
-          </a:p>
-          <a:p>
-            <a:r>
-              <a:rPr lang="en-US" dirty="0">
-                <a:latin typeface="Consolas"/>
-                <a:cs typeface="Consolas"/>
-              </a:rPr>
-              <a:t>}</a:t>
-            </a:r>
-            <a:endParaRPr lang="en-US" dirty="0">
-              <a:latin typeface="Consolas"/>
-              <a:cs typeface="Consolas"/>
-            </a:endParaRPr>
           </a:p>
         </p:txBody>
       </p:sp>
@@ -17532,7 +17348,6 @@
               <a:rPr lang="en-US" dirty="0" smtClean="0"/>
               <a:t>Global</a:t>
             </a:r>
-            <a:endParaRPr lang="en-US" dirty="0" smtClean="0"/>
           </a:p>
         </p:txBody>
       </p:sp>
@@ -17562,7 +17377,6 @@
               <a:rPr lang="en-US" dirty="0" smtClean="0"/>
               <a:t>Heap</a:t>
             </a:r>
-            <a:endParaRPr lang="en-US" dirty="0" smtClean="0"/>
           </a:p>
         </p:txBody>
       </p:sp>
@@ -17592,7 +17406,6 @@
               <a:rPr lang="en-US" dirty="0" smtClean="0"/>
               <a:t>Stack</a:t>
             </a:r>
-            <a:endParaRPr lang="en-US" dirty="0" smtClean="0"/>
           </a:p>
         </p:txBody>
       </p:sp>
@@ -18017,28 +17830,7 @@
                 <a:latin typeface="Consolas"/>
                 <a:cs typeface="Consolas"/>
               </a:rPr>
-              <a:t>void </a:t>
-            </a:r>
-            <a:r>
-              <a:rPr lang="en-US" dirty="0" smtClean="0">
-                <a:latin typeface="Consolas"/>
-                <a:cs typeface="Consolas"/>
-              </a:rPr>
-              <a:t>insert</a:t>
-            </a:r>
-            <a:r>
-              <a:rPr lang="en-US" dirty="0" smtClean="0">
-                <a:latin typeface="Consolas"/>
-                <a:cs typeface="Consolas"/>
-              </a:rPr>
-              <a:t>(node </a:t>
-            </a:r>
-            <a:r>
-              <a:rPr lang="en-US" dirty="0" smtClean="0">
-                <a:latin typeface="Consolas"/>
-                <a:cs typeface="Consolas"/>
-              </a:rPr>
-              <a:t>**</a:t>
+              <a:t>void insert(node **</a:t>
             </a:r>
             <a:r>
               <a:rPr lang="en-US" dirty="0" err="1" smtClean="0">
@@ -18081,6 +17873,75 @@
               </a:rPr>
               <a:t>{</a:t>
             </a:r>
+          </a:p>
+          <a:p>
+            <a:r>
+              <a:rPr lang="en-US" dirty="0" smtClean="0">
+                <a:latin typeface="Consolas"/>
+                <a:cs typeface="Consolas"/>
+              </a:rPr>
+              <a:t>   node *n;</a:t>
+            </a:r>
+          </a:p>
+          <a:p>
+            <a:r>
+              <a:rPr lang="en-US" dirty="0">
+                <a:latin typeface="Consolas"/>
+                <a:cs typeface="Consolas"/>
+              </a:rPr>
+              <a:t> </a:t>
+            </a:r>
+            <a:r>
+              <a:rPr lang="en-US" dirty="0" smtClean="0">
+                <a:latin typeface="Consolas"/>
+                <a:cs typeface="Consolas"/>
+              </a:rPr>
+              <a:t>  n = (</a:t>
+            </a:r>
+            <a:r>
+              <a:rPr lang="en-US" dirty="0">
+                <a:latin typeface="Consolas"/>
+                <a:cs typeface="Consolas"/>
+              </a:rPr>
+              <a:t>node *)</a:t>
+            </a:r>
+            <a:r>
+              <a:rPr lang="en-US" dirty="0" err="1">
+                <a:latin typeface="Consolas"/>
+                <a:cs typeface="Consolas"/>
+              </a:rPr>
+              <a:t>malloc</a:t>
+            </a:r>
+            <a:r>
+              <a:rPr lang="en-US" dirty="0">
+                <a:latin typeface="Consolas"/>
+                <a:cs typeface="Consolas"/>
+              </a:rPr>
+              <a:t>(</a:t>
+            </a:r>
+            <a:r>
+              <a:rPr lang="en-US" dirty="0" err="1">
+                <a:latin typeface="Consolas"/>
+                <a:cs typeface="Consolas"/>
+              </a:rPr>
+              <a:t>sizeof</a:t>
+            </a:r>
+            <a:r>
+              <a:rPr lang="en-US" dirty="0">
+                <a:latin typeface="Consolas"/>
+                <a:cs typeface="Consolas"/>
+              </a:rPr>
+              <a:t>(node))</a:t>
+            </a:r>
+            <a:r>
+              <a:rPr lang="en-US" dirty="0" smtClean="0">
+                <a:latin typeface="Consolas"/>
+                <a:cs typeface="Consolas"/>
+              </a:rPr>
+              <a:t>;</a:t>
+            </a:r>
+          </a:p>
+          <a:p>
             <a:endParaRPr lang="en-US" dirty="0" smtClean="0">
               <a:latin typeface="Consolas"/>
               <a:cs typeface="Consolas"/>
@@ -18092,65 +17953,22 @@
                 <a:latin typeface="Consolas"/>
                 <a:cs typeface="Consolas"/>
               </a:rPr>
-              <a:t>   node *n;</a:t>
-            </a:r>
-          </a:p>
-          <a:p>
-            <a:r>
-              <a:rPr lang="en-US" dirty="0">
-                <a:latin typeface="Consolas"/>
-                <a:cs typeface="Consolas"/>
-              </a:rPr>
-              <a:t> </a:t>
-            </a:r>
+              <a:t>   </a:t>
+            </a:r>
+          </a:p>
+          <a:p>
+            <a:endParaRPr lang="en-US" dirty="0">
+              <a:latin typeface="Consolas"/>
+              <a:cs typeface="Consolas"/>
+            </a:endParaRPr>
+          </a:p>
+          <a:p>
             <a:r>
               <a:rPr lang="en-US" dirty="0" smtClean="0">
                 <a:latin typeface="Consolas"/>
                 <a:cs typeface="Consolas"/>
               </a:rPr>
-              <a:t>  n = (</a:t>
-            </a:r>
-            <a:r>
-              <a:rPr lang="en-US" dirty="0">
-                <a:latin typeface="Consolas"/>
-                <a:cs typeface="Consolas"/>
-              </a:rPr>
-              <a:t>node *)</a:t>
-            </a:r>
-            <a:r>
-              <a:rPr lang="en-US" dirty="0" err="1">
-                <a:latin typeface="Consolas"/>
-                <a:cs typeface="Consolas"/>
-              </a:rPr>
-              <a:t>malloc</a:t>
-            </a:r>
-            <a:r>
-              <a:rPr lang="en-US" dirty="0">
-                <a:latin typeface="Consolas"/>
-                <a:cs typeface="Consolas"/>
-              </a:rPr>
-              <a:t>(</a:t>
-            </a:r>
-            <a:r>
-              <a:rPr lang="en-US" dirty="0" err="1">
-                <a:latin typeface="Consolas"/>
-                <a:cs typeface="Consolas"/>
-              </a:rPr>
-              <a:t>sizeof</a:t>
-            </a:r>
-            <a:r>
-              <a:rPr lang="en-US" dirty="0">
-                <a:latin typeface="Consolas"/>
-                <a:cs typeface="Consolas"/>
-              </a:rPr>
-              <a:t>(node))</a:t>
-            </a:r>
-            <a:r>
-              <a:rPr lang="en-US" dirty="0" smtClean="0">
-                <a:latin typeface="Consolas"/>
-                <a:cs typeface="Consolas"/>
-              </a:rPr>
-              <a:t>;</a:t>
+              <a:t>}</a:t>
             </a:r>
           </a:p>
           <a:p>
@@ -18161,18 +17979,19 @@
           </a:p>
           <a:p>
             <a:r>
+              <a:rPr lang="en-US" dirty="0" err="1" smtClean="0">
+                <a:latin typeface="Consolas"/>
+                <a:cs typeface="Consolas"/>
+              </a:rPr>
+              <a:t>int</a:t>
+            </a:r>
+            <a:r>
               <a:rPr lang="en-US" dirty="0" smtClean="0">
                 <a:latin typeface="Consolas"/>
                 <a:cs typeface="Consolas"/>
               </a:rPr>
-              <a:t>   </a:t>
-            </a:r>
-          </a:p>
-          <a:p>
-            <a:endParaRPr lang="en-US" dirty="0">
-              <a:latin typeface="Consolas"/>
-              <a:cs typeface="Consolas"/>
-            </a:endParaRPr>
+              <a:t> main()</a:t>
+            </a:r>
           </a:p>
           <a:p>
             <a:r>
@@ -18180,190 +17999,151 @@
                 <a:latin typeface="Consolas"/>
                 <a:cs typeface="Consolas"/>
               </a:rPr>
+              <a:t>{</a:t>
+            </a:r>
+          </a:p>
+          <a:p>
+            <a:r>
+              <a:rPr lang="en-US" dirty="0">
+                <a:latin typeface="Consolas"/>
+                <a:cs typeface="Consolas"/>
+              </a:rPr>
+              <a:t> </a:t>
+            </a:r>
+            <a:r>
+              <a:rPr lang="en-US" dirty="0" smtClean="0">
+                <a:latin typeface="Consolas"/>
+                <a:cs typeface="Consolas"/>
+              </a:rPr>
+              <a:t>  node *head = NULL;</a:t>
+            </a:r>
+          </a:p>
+          <a:p>
+            <a:r>
+              <a:rPr lang="en-US" dirty="0">
+                <a:latin typeface="Consolas"/>
+                <a:cs typeface="Consolas"/>
+              </a:rPr>
+              <a:t> </a:t>
+            </a:r>
+            <a:r>
+              <a:rPr lang="en-US" dirty="0" smtClean="0">
+                <a:latin typeface="Consolas"/>
+                <a:cs typeface="Consolas"/>
+              </a:rPr>
+              <a:t>  for (long </a:t>
+            </a:r>
+            <a:r>
+              <a:rPr lang="en-US" dirty="0" err="1" smtClean="0">
+                <a:latin typeface="Consolas"/>
+                <a:cs typeface="Consolas"/>
+              </a:rPr>
+              <a:t>i</a:t>
+            </a:r>
+            <a:r>
+              <a:rPr lang="en-US" dirty="0" smtClean="0">
+                <a:latin typeface="Consolas"/>
+                <a:cs typeface="Consolas"/>
+              </a:rPr>
+              <a:t> = 10; </a:t>
+            </a:r>
+            <a:r>
+              <a:rPr lang="en-US" dirty="0" err="1" smtClean="0">
+                <a:latin typeface="Consolas"/>
+                <a:cs typeface="Consolas"/>
+              </a:rPr>
+              <a:t>i</a:t>
+            </a:r>
+            <a:r>
+              <a:rPr lang="en-US" dirty="0" smtClean="0">
+                <a:latin typeface="Consolas"/>
+                <a:cs typeface="Consolas"/>
+              </a:rPr>
+              <a:t> &lt; 13; </a:t>
+            </a:r>
+            <a:r>
+              <a:rPr lang="en-US" dirty="0" err="1" smtClean="0">
+                <a:latin typeface="Consolas"/>
+                <a:cs typeface="Consolas"/>
+              </a:rPr>
+              <a:t>i</a:t>
+            </a:r>
+            <a:r>
+              <a:rPr lang="en-US" dirty="0" smtClean="0">
+                <a:latin typeface="Consolas"/>
+                <a:cs typeface="Consolas"/>
+              </a:rPr>
+              <a:t>++) {</a:t>
+            </a:r>
+          </a:p>
+          <a:p>
+            <a:r>
+              <a:rPr lang="en-US" dirty="0">
+                <a:latin typeface="Consolas"/>
+                <a:cs typeface="Consolas"/>
+              </a:rPr>
+              <a:t> </a:t>
+            </a:r>
+            <a:r>
+              <a:rPr lang="en-US" dirty="0" smtClean="0">
+                <a:latin typeface="Consolas"/>
+                <a:cs typeface="Consolas"/>
+              </a:rPr>
+              <a:t>  </a:t>
+            </a:r>
+            <a:r>
+              <a:rPr lang="en-US" dirty="0">
+                <a:latin typeface="Consolas"/>
+                <a:cs typeface="Consolas"/>
+              </a:rPr>
+              <a:t> </a:t>
+            </a:r>
+            <a:r>
+              <a:rPr lang="en-US" dirty="0" smtClean="0">
+                <a:latin typeface="Consolas"/>
+                <a:cs typeface="Consolas"/>
+              </a:rPr>
+              <a:t>  insert(&amp;head, </a:t>
+            </a:r>
+            <a:r>
+              <a:rPr lang="en-US" dirty="0" err="1" smtClean="0">
+                <a:latin typeface="Consolas"/>
+                <a:cs typeface="Consolas"/>
+              </a:rPr>
+              <a:t>i</a:t>
+            </a:r>
+            <a:r>
+              <a:rPr lang="en-US" dirty="0" smtClean="0">
+                <a:latin typeface="Consolas"/>
+                <a:cs typeface="Consolas"/>
+              </a:rPr>
+              <a:t>);</a:t>
+            </a:r>
+          </a:p>
+          <a:p>
+            <a:r>
+              <a:rPr lang="en-US" dirty="0">
+                <a:latin typeface="Consolas"/>
+                <a:cs typeface="Consolas"/>
+              </a:rPr>
+              <a:t> </a:t>
+            </a:r>
+            <a:r>
+              <a:rPr lang="en-US" dirty="0" smtClean="0">
+                <a:latin typeface="Consolas"/>
+                <a:cs typeface="Consolas"/>
+              </a:rPr>
+              <a:t>  }  </a:t>
+            </a:r>
+          </a:p>
+          <a:p>
+            <a:r>
+              <a:rPr lang="en-US" dirty="0">
+                <a:latin typeface="Consolas"/>
+                <a:cs typeface="Consolas"/>
+              </a:rPr>
               <a:t>}</a:t>
             </a:r>
-          </a:p>
-          <a:p>
-            <a:endParaRPr lang="en-US" dirty="0" smtClean="0">
-              <a:latin typeface="Consolas"/>
-              <a:cs typeface="Consolas"/>
-            </a:endParaRPr>
-          </a:p>
-          <a:p>
-            <a:r>
-              <a:rPr lang="en-US" dirty="0" err="1" smtClean="0">
-                <a:latin typeface="Consolas"/>
-                <a:cs typeface="Consolas"/>
-              </a:rPr>
-              <a:t>int</a:t>
-            </a:r>
-            <a:r>
-              <a:rPr lang="en-US" dirty="0" smtClean="0">
-                <a:latin typeface="Consolas"/>
-                <a:cs typeface="Consolas"/>
-              </a:rPr>
-              <a:t> main()</a:t>
-            </a:r>
-          </a:p>
-          <a:p>
-            <a:r>
-              <a:rPr lang="en-US" dirty="0" smtClean="0">
-                <a:latin typeface="Consolas"/>
-                <a:cs typeface="Consolas"/>
-              </a:rPr>
-              <a:t>{</a:t>
-            </a:r>
-          </a:p>
-          <a:p>
-            <a:r>
-              <a:rPr lang="en-US" dirty="0">
-                <a:latin typeface="Consolas"/>
-                <a:cs typeface="Consolas"/>
-              </a:rPr>
-              <a:t> </a:t>
-            </a:r>
-            <a:r>
-              <a:rPr lang="en-US" dirty="0" smtClean="0">
-                <a:latin typeface="Consolas"/>
-                <a:cs typeface="Consolas"/>
-              </a:rPr>
-              <a:t>  node *head = NULL;</a:t>
-            </a:r>
-          </a:p>
-          <a:p>
-            <a:r>
-              <a:rPr lang="en-US" dirty="0">
-                <a:latin typeface="Consolas"/>
-                <a:cs typeface="Consolas"/>
-              </a:rPr>
-              <a:t> </a:t>
-            </a:r>
-            <a:r>
-              <a:rPr lang="en-US" dirty="0" smtClean="0">
-                <a:latin typeface="Consolas"/>
-                <a:cs typeface="Consolas"/>
-              </a:rPr>
-              <a:t>  for (long </a:t>
-            </a:r>
-            <a:r>
-              <a:rPr lang="en-US" dirty="0" err="1" smtClean="0">
-                <a:latin typeface="Consolas"/>
-                <a:cs typeface="Consolas"/>
-              </a:rPr>
-              <a:t>i</a:t>
-            </a:r>
-            <a:r>
-              <a:rPr lang="en-US" dirty="0" smtClean="0">
-                <a:latin typeface="Consolas"/>
-                <a:cs typeface="Consolas"/>
-              </a:rPr>
-              <a:t> = 10; </a:t>
-            </a:r>
-            <a:r>
-              <a:rPr lang="en-US" dirty="0" err="1" smtClean="0">
-                <a:latin typeface="Consolas"/>
-                <a:cs typeface="Consolas"/>
-              </a:rPr>
-              <a:t>i</a:t>
-            </a:r>
-            <a:r>
-              <a:rPr lang="en-US" dirty="0" smtClean="0">
-                <a:latin typeface="Consolas"/>
-                <a:cs typeface="Consolas"/>
-              </a:rPr>
-              <a:t> &lt; 13; </a:t>
-            </a:r>
-            <a:r>
-              <a:rPr lang="en-US" dirty="0" err="1" smtClean="0">
-                <a:latin typeface="Consolas"/>
-                <a:cs typeface="Consolas"/>
-              </a:rPr>
-              <a:t>i</a:t>
-            </a:r>
-            <a:r>
-              <a:rPr lang="en-US" dirty="0" smtClean="0">
-                <a:latin typeface="Consolas"/>
-                <a:cs typeface="Consolas"/>
-              </a:rPr>
-              <a:t>++) {</a:t>
-            </a:r>
-          </a:p>
-          <a:p>
-            <a:r>
-              <a:rPr lang="en-US" dirty="0">
-                <a:latin typeface="Consolas"/>
-                <a:cs typeface="Consolas"/>
-              </a:rPr>
-              <a:t> </a:t>
-            </a:r>
-            <a:r>
-              <a:rPr lang="en-US" dirty="0" smtClean="0">
-                <a:latin typeface="Consolas"/>
-                <a:cs typeface="Consolas"/>
-              </a:rPr>
-              <a:t>  </a:t>
-            </a:r>
-            <a:r>
-              <a:rPr lang="en-US" dirty="0">
-                <a:latin typeface="Consolas"/>
-                <a:cs typeface="Consolas"/>
-              </a:rPr>
-              <a:t> </a:t>
-            </a:r>
-            <a:r>
-              <a:rPr lang="en-US" dirty="0" smtClean="0">
-                <a:latin typeface="Consolas"/>
-                <a:cs typeface="Consolas"/>
-              </a:rPr>
-              <a:t>  insert(&amp;head, </a:t>
-            </a:r>
-            <a:r>
-              <a:rPr lang="en-US" dirty="0" err="1" smtClean="0">
-                <a:latin typeface="Consolas"/>
-                <a:cs typeface="Consolas"/>
-              </a:rPr>
-              <a:t>i</a:t>
-            </a:r>
-            <a:r>
-              <a:rPr lang="en-US" dirty="0" smtClean="0">
-                <a:latin typeface="Consolas"/>
-                <a:cs typeface="Consolas"/>
-              </a:rPr>
-              <a:t>);</a:t>
-            </a:r>
-          </a:p>
-          <a:p>
-            <a:r>
-              <a:rPr lang="en-US" dirty="0">
-                <a:latin typeface="Consolas"/>
-                <a:cs typeface="Consolas"/>
-              </a:rPr>
-              <a:t> </a:t>
-            </a:r>
-            <a:r>
-              <a:rPr lang="en-US" dirty="0" smtClean="0">
-                <a:latin typeface="Consolas"/>
-                <a:cs typeface="Consolas"/>
-              </a:rPr>
-              <a:t>  }  </a:t>
-            </a:r>
-            <a:endParaRPr lang="en-US" dirty="0" smtClean="0">
-              <a:latin typeface="Consolas"/>
-              <a:cs typeface="Consolas"/>
-            </a:endParaRPr>
-          </a:p>
-          <a:p>
-            <a:r>
-              <a:rPr lang="en-US" dirty="0">
-                <a:latin typeface="Consolas"/>
-                <a:cs typeface="Consolas"/>
-              </a:rPr>
-              <a:t>}</a:t>
-            </a:r>
-            <a:endParaRPr lang="en-US" dirty="0">
-              <a:latin typeface="Consolas"/>
-              <a:cs typeface="Consolas"/>
-            </a:endParaRPr>
           </a:p>
         </p:txBody>
       </p:sp>
@@ -18825,7 +18605,6 @@
               <a:rPr lang="en-US" dirty="0" smtClean="0"/>
               <a:t>Global</a:t>
             </a:r>
-            <a:endParaRPr lang="en-US" dirty="0" smtClean="0"/>
           </a:p>
         </p:txBody>
       </p:sp>
@@ -18855,7 +18634,6 @@
               <a:rPr lang="en-US" dirty="0" smtClean="0"/>
               <a:t>Heap</a:t>
             </a:r>
-            <a:endParaRPr lang="en-US" dirty="0" smtClean="0"/>
           </a:p>
         </p:txBody>
       </p:sp>
@@ -18885,7 +18663,6 @@
               <a:rPr lang="en-US" dirty="0" smtClean="0"/>
               <a:t>Stack</a:t>
             </a:r>
-            <a:endParaRPr lang="en-US" dirty="0" smtClean="0"/>
           </a:p>
         </p:txBody>
       </p:sp>
@@ -19357,28 +19134,7 @@
                 <a:latin typeface="Consolas"/>
                 <a:cs typeface="Consolas"/>
               </a:rPr>
-              <a:t>void </a:t>
-            </a:r>
-            <a:r>
-              <a:rPr lang="en-US" dirty="0" smtClean="0">
-                <a:latin typeface="Consolas"/>
-                <a:cs typeface="Consolas"/>
-              </a:rPr>
-              <a:t>insert</a:t>
-            </a:r>
-            <a:r>
-              <a:rPr lang="en-US" dirty="0" smtClean="0">
-                <a:latin typeface="Consolas"/>
-                <a:cs typeface="Consolas"/>
-              </a:rPr>
-              <a:t>(node </a:t>
-            </a:r>
-            <a:r>
-              <a:rPr lang="en-US" dirty="0" smtClean="0">
-                <a:latin typeface="Consolas"/>
-                <a:cs typeface="Consolas"/>
-              </a:rPr>
-              <a:t>**</a:t>
+              <a:t>void insert(node **</a:t>
             </a:r>
             <a:r>
               <a:rPr lang="en-US" dirty="0" err="1" smtClean="0">
@@ -19421,6 +19177,150 @@
               </a:rPr>
               <a:t>{</a:t>
             </a:r>
+          </a:p>
+          <a:p>
+            <a:r>
+              <a:rPr lang="en-US" dirty="0" smtClean="0">
+                <a:latin typeface="Consolas"/>
+                <a:cs typeface="Consolas"/>
+              </a:rPr>
+              <a:t>   node *n;</a:t>
+            </a:r>
+          </a:p>
+          <a:p>
+            <a:r>
+              <a:rPr lang="en-US" dirty="0">
+                <a:latin typeface="Consolas"/>
+                <a:cs typeface="Consolas"/>
+              </a:rPr>
+              <a:t> </a:t>
+            </a:r>
+            <a:r>
+              <a:rPr lang="en-US" dirty="0" smtClean="0">
+                <a:latin typeface="Consolas"/>
+                <a:cs typeface="Consolas"/>
+              </a:rPr>
+              <a:t>  n = (</a:t>
+            </a:r>
+            <a:r>
+              <a:rPr lang="en-US" dirty="0">
+                <a:latin typeface="Consolas"/>
+                <a:cs typeface="Consolas"/>
+              </a:rPr>
+              <a:t>node *)</a:t>
+            </a:r>
+            <a:r>
+              <a:rPr lang="en-US" dirty="0" err="1">
+                <a:latin typeface="Consolas"/>
+                <a:cs typeface="Consolas"/>
+              </a:rPr>
+              <a:t>malloc</a:t>
+            </a:r>
+            <a:r>
+              <a:rPr lang="en-US" dirty="0">
+                <a:latin typeface="Consolas"/>
+                <a:cs typeface="Consolas"/>
+              </a:rPr>
+              <a:t>(</a:t>
+            </a:r>
+            <a:r>
+              <a:rPr lang="en-US" dirty="0" err="1">
+                <a:latin typeface="Consolas"/>
+                <a:cs typeface="Consolas"/>
+              </a:rPr>
+              <a:t>sizeof</a:t>
+            </a:r>
+            <a:r>
+              <a:rPr lang="en-US" dirty="0">
+                <a:latin typeface="Consolas"/>
+                <a:cs typeface="Consolas"/>
+              </a:rPr>
+              <a:t>(node))</a:t>
+            </a:r>
+            <a:r>
+              <a:rPr lang="en-US" dirty="0" smtClean="0">
+                <a:latin typeface="Consolas"/>
+                <a:cs typeface="Consolas"/>
+              </a:rPr>
+              <a:t>;</a:t>
+            </a:r>
+          </a:p>
+          <a:p>
+            <a:r>
+              <a:rPr lang="en-US" dirty="0" smtClean="0">
+                <a:latin typeface="Consolas"/>
+                <a:cs typeface="Consolas"/>
+              </a:rPr>
+              <a:t>   n-&gt;</a:t>
+            </a:r>
+            <a:r>
+              <a:rPr lang="en-US" dirty="0" err="1" smtClean="0">
+                <a:latin typeface="Consolas"/>
+                <a:cs typeface="Consolas"/>
+              </a:rPr>
+              <a:t>val</a:t>
+            </a:r>
+            <a:r>
+              <a:rPr lang="en-US" dirty="0" smtClean="0">
+                <a:latin typeface="Consolas"/>
+                <a:cs typeface="Consolas"/>
+              </a:rPr>
+              <a:t> = </a:t>
+            </a:r>
+            <a:r>
+              <a:rPr lang="en-US" dirty="0" err="1" smtClean="0">
+                <a:latin typeface="Consolas"/>
+                <a:cs typeface="Consolas"/>
+              </a:rPr>
+              <a:t>val</a:t>
+            </a:r>
+            <a:r>
+              <a:rPr lang="en-US" dirty="0" smtClean="0">
+                <a:latin typeface="Consolas"/>
+                <a:cs typeface="Consolas"/>
+              </a:rPr>
+              <a:t>;</a:t>
+            </a:r>
+          </a:p>
+          <a:p>
+            <a:r>
+              <a:rPr lang="en-US" dirty="0" smtClean="0">
+                <a:latin typeface="Consolas"/>
+                <a:cs typeface="Consolas"/>
+              </a:rPr>
+              <a:t>   n-&gt;next = *</a:t>
+            </a:r>
+            <a:r>
+              <a:rPr lang="en-US" dirty="0" err="1" smtClean="0">
+                <a:latin typeface="Consolas"/>
+                <a:cs typeface="Consolas"/>
+              </a:rPr>
+              <a:t>headp</a:t>
+            </a:r>
+            <a:r>
+              <a:rPr lang="en-US" dirty="0" smtClean="0">
+                <a:latin typeface="Consolas"/>
+                <a:cs typeface="Consolas"/>
+              </a:rPr>
+              <a:t>;</a:t>
+            </a:r>
+          </a:p>
+          <a:p>
+            <a:endParaRPr lang="en-US" dirty="0">
+              <a:latin typeface="Consolas"/>
+              <a:cs typeface="Consolas"/>
+            </a:endParaRPr>
+          </a:p>
+          <a:p>
+            <a:r>
+              <a:rPr lang="en-US" dirty="0" smtClean="0">
+                <a:latin typeface="Consolas"/>
+                <a:cs typeface="Consolas"/>
+              </a:rPr>
+              <a:t>}</a:t>
+            </a:r>
+          </a:p>
+          <a:p>
             <a:endParaRPr lang="en-US" dirty="0" smtClean="0">
               <a:latin typeface="Consolas"/>
               <a:cs typeface="Consolas"/>
@@ -19428,11 +19328,27 @@
           </a:p>
           <a:p>
             <a:r>
+              <a:rPr lang="en-US" dirty="0" err="1" smtClean="0">
+                <a:latin typeface="Consolas"/>
+                <a:cs typeface="Consolas"/>
+              </a:rPr>
+              <a:t>int</a:t>
+            </a:r>
+            <a:r>
               <a:rPr lang="en-US" dirty="0" smtClean="0">
                 <a:latin typeface="Consolas"/>
                 <a:cs typeface="Consolas"/>
               </a:rPr>
-              <a:t>   node *n;</a:t>
+              <a:t> main()</a:t>
+            </a:r>
+          </a:p>
+          <a:p>
+            <a:r>
+              <a:rPr lang="en-US" dirty="0" smtClean="0">
+                <a:latin typeface="Consolas"/>
+                <a:cs typeface="Consolas"/>
+              </a:rPr>
+              <a:t>{</a:t>
             </a:r>
           </a:p>
           <a:p>
@@ -19448,307 +19364,135 @@
                 <a:latin typeface="Consolas"/>
                 <a:cs typeface="Consolas"/>
               </a:rPr>
-              <a:t>  n = (</a:t>
-            </a:r>
+              <a:t>  node *head = NULL;</a:t>
+            </a:r>
+          </a:p>
+          <a:p>
             <a:r>
               <a:rPr lang="en-US" dirty="0">
                 <a:latin typeface="Consolas"/>
                 <a:cs typeface="Consolas"/>
               </a:rPr>
-              <a:t>node *)</a:t>
-            </a:r>
-            <a:r>
-              <a:rPr lang="en-US" dirty="0" err="1">
-                <a:latin typeface="Consolas"/>
-                <a:cs typeface="Consolas"/>
-              </a:rPr>
-              <a:t>malloc</a:t>
-            </a:r>
+              <a:t> </a:t>
+            </a:r>
+            <a:r>
+              <a:rPr lang="en-US" dirty="0" smtClean="0">
+                <a:latin typeface="Consolas"/>
+                <a:cs typeface="Consolas"/>
+              </a:rPr>
+              <a:t>  for (long </a:t>
+            </a:r>
+            <a:r>
+              <a:rPr lang="en-US" dirty="0" err="1" smtClean="0">
+                <a:latin typeface="Consolas"/>
+                <a:cs typeface="Consolas"/>
+              </a:rPr>
+              <a:t>i</a:t>
+            </a:r>
+            <a:r>
+              <a:rPr lang="en-US" dirty="0" smtClean="0">
+                <a:latin typeface="Consolas"/>
+                <a:cs typeface="Consolas"/>
+              </a:rPr>
+              <a:t> = 10; </a:t>
+            </a:r>
+            <a:r>
+              <a:rPr lang="en-US" dirty="0" err="1" smtClean="0">
+                <a:latin typeface="Consolas"/>
+                <a:cs typeface="Consolas"/>
+              </a:rPr>
+              <a:t>i</a:t>
+            </a:r>
+            <a:r>
+              <a:rPr lang="en-US" dirty="0" smtClean="0">
+                <a:latin typeface="Consolas"/>
+                <a:cs typeface="Consolas"/>
+              </a:rPr>
+              <a:t> &lt; 13; </a:t>
+            </a:r>
+            <a:r>
+              <a:rPr lang="en-US" dirty="0" err="1" smtClean="0">
+                <a:latin typeface="Consolas"/>
+                <a:cs typeface="Consolas"/>
+              </a:rPr>
+              <a:t>i</a:t>
+            </a:r>
+            <a:r>
+              <a:rPr lang="en-US" dirty="0" smtClean="0">
+                <a:latin typeface="Consolas"/>
+                <a:cs typeface="Consolas"/>
+              </a:rPr>
+              <a:t>++) {</a:t>
+            </a:r>
+          </a:p>
+          <a:p>
             <a:r>
               <a:rPr lang="en-US" dirty="0">
                 <a:latin typeface="Consolas"/>
                 <a:cs typeface="Consolas"/>
               </a:rPr>
-              <a:t>(</a:t>
-            </a:r>
-            <a:r>
-              <a:rPr lang="en-US" dirty="0" err="1">
-                <a:latin typeface="Consolas"/>
-                <a:cs typeface="Consolas"/>
-              </a:rPr>
-              <a:t>sizeof</a:t>
+              <a:t> </a:t>
+            </a:r>
+            <a:r>
+              <a:rPr lang="en-US" dirty="0" smtClean="0">
+                <a:latin typeface="Consolas"/>
+                <a:cs typeface="Consolas"/>
+              </a:rPr>
+              <a:t>  </a:t>
             </a:r>
             <a:r>
               <a:rPr lang="en-US" dirty="0">
                 <a:latin typeface="Consolas"/>
                 <a:cs typeface="Consolas"/>
               </a:rPr>
-              <a:t>(node))</a:t>
+              <a:t> </a:t>
             </a:r>
             <a:r>
               <a:rPr lang="en-US" dirty="0" smtClean="0">
                 <a:latin typeface="Consolas"/>
                 <a:cs typeface="Consolas"/>
               </a:rPr>
-              <a:t>;</a:t>
-            </a:r>
-          </a:p>
-          <a:p>
+              <a:t>  insert(&amp;head, </a:t>
+            </a:r>
+            <a:r>
+              <a:rPr lang="en-US" dirty="0" err="1" smtClean="0">
+                <a:latin typeface="Consolas"/>
+                <a:cs typeface="Consolas"/>
+              </a:rPr>
+              <a:t>i</a:t>
+            </a:r>
             <a:r>
               <a:rPr lang="en-US" dirty="0" smtClean="0">
                 <a:latin typeface="Consolas"/>
                 <a:cs typeface="Consolas"/>
               </a:rPr>
-              <a:t>   n-&gt;</a:t>
-            </a:r>
-            <a:r>
-              <a:rPr lang="en-US" dirty="0" err="1" smtClean="0">
-                <a:latin typeface="Consolas"/>
-                <a:cs typeface="Consolas"/>
-              </a:rPr>
-              <a:t>val</a:t>
+              <a:t>);</a:t>
+            </a:r>
+          </a:p>
+          <a:p>
+            <a:r>
+              <a:rPr lang="en-US" dirty="0">
+                <a:latin typeface="Consolas"/>
+                <a:cs typeface="Consolas"/>
+              </a:rPr>
+              <a:t> </a:t>
             </a:r>
             <a:r>
               <a:rPr lang="en-US" dirty="0" smtClean="0">
                 <a:latin typeface="Consolas"/>
                 <a:cs typeface="Consolas"/>
               </a:rPr>
-              <a:t> = </a:t>
-            </a:r>
-            <a:r>
-              <a:rPr lang="en-US" dirty="0" err="1" smtClean="0">
-                <a:latin typeface="Consolas"/>
-                <a:cs typeface="Consolas"/>
-              </a:rPr>
-              <a:t>val</a:t>
-            </a:r>
-            <a:r>
-              <a:rPr lang="en-US" dirty="0" smtClean="0">
-                <a:latin typeface="Consolas"/>
-                <a:cs typeface="Consolas"/>
-              </a:rPr>
-              <a:t>;</a:t>
-            </a:r>
-          </a:p>
-          <a:p>
-            <a:r>
-              <a:rPr lang="en-US" dirty="0" smtClean="0">
-                <a:latin typeface="Consolas"/>
-                <a:cs typeface="Consolas"/>
-              </a:rPr>
-              <a:t>   n-&gt;next = *</a:t>
-            </a:r>
-            <a:r>
-              <a:rPr lang="en-US" dirty="0" err="1" smtClean="0">
-                <a:latin typeface="Consolas"/>
-                <a:cs typeface="Consolas"/>
-              </a:rPr>
-              <a:t>headp</a:t>
-            </a:r>
-            <a:r>
-              <a:rPr lang="en-US" dirty="0" smtClean="0">
-                <a:latin typeface="Consolas"/>
-                <a:cs typeface="Consolas"/>
-              </a:rPr>
-              <a:t>;</a:t>
-            </a:r>
-          </a:p>
-          <a:p>
-            <a:endParaRPr lang="en-US" dirty="0">
-              <a:latin typeface="Consolas"/>
-              <a:cs typeface="Consolas"/>
-            </a:endParaRPr>
-          </a:p>
-          <a:p>
-            <a:r>
-              <a:rPr lang="en-US" dirty="0" smtClean="0">
+              <a:t>  }  </a:t>
+            </a:r>
+          </a:p>
+          <a:p>
+            <a:r>
+              <a:rPr lang="en-US" dirty="0">
                 <a:latin typeface="Consolas"/>
                 <a:cs typeface="Consolas"/>
               </a:rPr>
               <a:t>}</a:t>
             </a:r>
-          </a:p>
-          <a:p>
-            <a:endParaRPr lang="en-US" dirty="0" smtClean="0">
-              <a:latin typeface="Consolas"/>
-              <a:cs typeface="Consolas"/>
-            </a:endParaRPr>
-          </a:p>
-          <a:p>
-            <a:r>
-              <a:rPr lang="en-US" dirty="0" err="1" smtClean="0">
-                <a:latin typeface="Consolas"/>
-                <a:cs typeface="Consolas"/>
-              </a:rPr>
-              <a:t>int</a:t>
-            </a:r>
-            <a:r>
-              <a:rPr lang="en-US" dirty="0" smtClean="0">
-                <a:latin typeface="Consolas"/>
-                <a:cs typeface="Consolas"/>
-              </a:rPr>
-              <a:t> main()</a:t>
-            </a:r>
-          </a:p>
-          <a:p>
-            <a:r>
-              <a:rPr lang="en-US" dirty="0" smtClean="0">
-                <a:latin typeface="Consolas"/>
-                <a:cs typeface="Consolas"/>
-              </a:rPr>
-              <a:t>{</a:t>
-            </a:r>
-          </a:p>
-          <a:p>
-            <a:r>
-              <a:rPr lang="en-US" dirty="0">
-                <a:latin typeface="Consolas"/>
-                <a:cs typeface="Consolas"/>
-              </a:rPr>
-              <a:t> </a:t>
-            </a:r>
-            <a:r>
-              <a:rPr lang="en-US" dirty="0" smtClean="0">
-                <a:latin typeface="Consolas"/>
-                <a:cs typeface="Consolas"/>
-              </a:rPr>
-              <a:t>  node *head = NULL;</a:t>
-            </a:r>
-          </a:p>
-          <a:p>
-            <a:r>
-              <a:rPr lang="en-US" dirty="0">
-                <a:latin typeface="Consolas"/>
-                <a:cs typeface="Consolas"/>
-              </a:rPr>
-              <a:t> </a:t>
-            </a:r>
-            <a:r>
-              <a:rPr lang="en-US" dirty="0" smtClean="0">
-                <a:latin typeface="Consolas"/>
-                <a:cs typeface="Consolas"/>
-              </a:rPr>
-              <a:t>  for (long </a:t>
-            </a:r>
-            <a:r>
-              <a:rPr lang="en-US" dirty="0" err="1" smtClean="0">
-                <a:latin typeface="Consolas"/>
-                <a:cs typeface="Consolas"/>
-              </a:rPr>
-              <a:t>i</a:t>
-            </a:r>
-            <a:r>
-              <a:rPr lang="en-US" dirty="0" smtClean="0">
-                <a:latin typeface="Consolas"/>
-                <a:cs typeface="Consolas"/>
-              </a:rPr>
-              <a:t> = 10; </a:t>
-            </a:r>
-            <a:r>
-              <a:rPr lang="en-US" dirty="0" err="1" smtClean="0">
-                <a:latin typeface="Consolas"/>
-                <a:cs typeface="Consolas"/>
-              </a:rPr>
-              <a:t>i</a:t>
-            </a:r>
-            <a:r>
-              <a:rPr lang="en-US" dirty="0" smtClean="0">
-                <a:latin typeface="Consolas"/>
-                <a:cs typeface="Consolas"/>
-              </a:rPr>
-              <a:t> &lt; 13; </a:t>
-            </a:r>
-            <a:r>
-              <a:rPr lang="en-US" dirty="0" err="1" smtClean="0">
-                <a:latin typeface="Consolas"/>
-                <a:cs typeface="Consolas"/>
-              </a:rPr>
-              <a:t>i</a:t>
-            </a:r>
-            <a:r>
-              <a:rPr lang="en-US" dirty="0" smtClean="0">
-                <a:latin typeface="Consolas"/>
-                <a:cs typeface="Consolas"/>
-              </a:rPr>
-              <a:t>++) {</a:t>
-            </a:r>
-          </a:p>
-          <a:p>
-            <a:r>
-              <a:rPr lang="en-US" dirty="0">
-                <a:latin typeface="Consolas"/>
-                <a:cs typeface="Consolas"/>
-              </a:rPr>
-              <a:t> </a:t>
-            </a:r>
-            <a:r>
-              <a:rPr lang="en-US" dirty="0" smtClean="0">
-                <a:latin typeface="Consolas"/>
-                <a:cs typeface="Consolas"/>
-              </a:rPr>
-              <a:t>  </a:t>
-            </a:r>
-            <a:r>
-              <a:rPr lang="en-US" dirty="0">
-                <a:latin typeface="Consolas"/>
-                <a:cs typeface="Consolas"/>
-              </a:rPr>
-              <a:t> </a:t>
-            </a:r>
-            <a:r>
-              <a:rPr lang="en-US" dirty="0" smtClean="0">
-                <a:latin typeface="Consolas"/>
-                <a:cs typeface="Consolas"/>
-              </a:rPr>
-              <a:t>  insert(&amp;head, </a:t>
-            </a:r>
-            <a:r>
-              <a:rPr lang="en-US" dirty="0" err="1" smtClean="0">
-                <a:latin typeface="Consolas"/>
-                <a:cs typeface="Consolas"/>
-              </a:rPr>
-              <a:t>i</a:t>
-            </a:r>
-            <a:r>
-              <a:rPr lang="en-US" dirty="0" smtClean="0">
-                <a:latin typeface="Consolas"/>
-                <a:cs typeface="Consolas"/>
-              </a:rPr>
-              <a:t>);</a:t>
-            </a:r>
-          </a:p>
-          <a:p>
-            <a:r>
-              <a:rPr lang="en-US" dirty="0">
-                <a:latin typeface="Consolas"/>
-                <a:cs typeface="Consolas"/>
-              </a:rPr>
-              <a:t> </a:t>
-            </a:r>
-            <a:r>
-              <a:rPr lang="en-US" dirty="0" smtClean="0">
-                <a:latin typeface="Consolas"/>
-                <a:cs typeface="Consolas"/>
-              </a:rPr>
-              <a:t>  }  </a:t>
-            </a:r>
-            <a:endParaRPr lang="en-US" dirty="0" smtClean="0">
-              <a:latin typeface="Consolas"/>
-              <a:cs typeface="Consolas"/>
-            </a:endParaRPr>
-          </a:p>
-          <a:p>
-            <a:r>
-              <a:rPr lang="en-US" dirty="0">
-                <a:latin typeface="Consolas"/>
-                <a:cs typeface="Consolas"/>
-              </a:rPr>
-              <a:t>}</a:t>
-            </a:r>
-            <a:endParaRPr lang="en-US" dirty="0">
-              <a:latin typeface="Consolas"/>
-              <a:cs typeface="Consolas"/>
-            </a:endParaRPr>
           </a:p>
         </p:txBody>
       </p:sp>
@@ -20206,7 +19950,6 @@
               <a:rPr lang="en-US" dirty="0" smtClean="0"/>
               <a:t>Global</a:t>
             </a:r>
-            <a:endParaRPr lang="en-US" dirty="0" smtClean="0"/>
           </a:p>
         </p:txBody>
       </p:sp>
@@ -20236,7 +19979,6 @@
               <a:rPr lang="en-US" dirty="0" smtClean="0"/>
               <a:t>Heap</a:t>
             </a:r>
-            <a:endParaRPr lang="en-US" dirty="0" smtClean="0"/>
           </a:p>
         </p:txBody>
       </p:sp>
@@ -20266,7 +20008,6 @@
               <a:rPr lang="en-US" dirty="0" smtClean="0"/>
               <a:t>Stack</a:t>
             </a:r>
-            <a:endParaRPr lang="en-US" dirty="0" smtClean="0"/>
           </a:p>
         </p:txBody>
       </p:sp>
@@ -20675,28 +20416,7 @@
                 <a:latin typeface="Consolas"/>
                 <a:cs typeface="Consolas"/>
               </a:rPr>
-              <a:t>void </a:t>
-            </a:r>
-            <a:r>
-              <a:rPr lang="en-US" dirty="0" smtClean="0">
-                <a:latin typeface="Consolas"/>
-                <a:cs typeface="Consolas"/>
-              </a:rPr>
-              <a:t>insert</a:t>
-            </a:r>
-            <a:r>
-              <a:rPr lang="en-US" dirty="0" smtClean="0">
-                <a:latin typeface="Consolas"/>
-                <a:cs typeface="Consolas"/>
-              </a:rPr>
-              <a:t>(node </a:t>
-            </a:r>
-            <a:r>
-              <a:rPr lang="en-US" dirty="0" smtClean="0">
-                <a:latin typeface="Consolas"/>
-                <a:cs typeface="Consolas"/>
-              </a:rPr>
-              <a:t>**</a:t>
+              <a:t>void insert(node **</a:t>
             </a:r>
             <a:r>
               <a:rPr lang="en-US" dirty="0" err="1" smtClean="0">
@@ -20739,6 +20459,171 @@
               </a:rPr>
               <a:t>{</a:t>
             </a:r>
+          </a:p>
+          <a:p>
+            <a:r>
+              <a:rPr lang="en-US" dirty="0" smtClean="0">
+                <a:latin typeface="Consolas"/>
+                <a:cs typeface="Consolas"/>
+              </a:rPr>
+              <a:t>   node *n;</a:t>
+            </a:r>
+          </a:p>
+          <a:p>
+            <a:r>
+              <a:rPr lang="en-US" dirty="0">
+                <a:latin typeface="Consolas"/>
+                <a:cs typeface="Consolas"/>
+              </a:rPr>
+              <a:t> </a:t>
+            </a:r>
+            <a:r>
+              <a:rPr lang="en-US" dirty="0" smtClean="0">
+                <a:latin typeface="Consolas"/>
+                <a:cs typeface="Consolas"/>
+              </a:rPr>
+              <a:t>  n = (</a:t>
+            </a:r>
+            <a:r>
+              <a:rPr lang="en-US" dirty="0">
+                <a:latin typeface="Consolas"/>
+                <a:cs typeface="Consolas"/>
+              </a:rPr>
+              <a:t>node *)</a:t>
+            </a:r>
+            <a:r>
+              <a:rPr lang="en-US" dirty="0" err="1">
+                <a:latin typeface="Consolas"/>
+                <a:cs typeface="Consolas"/>
+              </a:rPr>
+              <a:t>malloc</a:t>
+            </a:r>
+            <a:r>
+              <a:rPr lang="en-US" dirty="0">
+                <a:latin typeface="Consolas"/>
+                <a:cs typeface="Consolas"/>
+              </a:rPr>
+              <a:t>(</a:t>
+            </a:r>
+            <a:r>
+              <a:rPr lang="en-US" dirty="0" err="1">
+                <a:latin typeface="Consolas"/>
+                <a:cs typeface="Consolas"/>
+              </a:rPr>
+              <a:t>sizeof</a:t>
+            </a:r>
+            <a:r>
+              <a:rPr lang="en-US" dirty="0">
+                <a:latin typeface="Consolas"/>
+                <a:cs typeface="Consolas"/>
+              </a:rPr>
+              <a:t>(node))</a:t>
+            </a:r>
+            <a:r>
+              <a:rPr lang="en-US" dirty="0" smtClean="0">
+                <a:latin typeface="Consolas"/>
+                <a:cs typeface="Consolas"/>
+              </a:rPr>
+              <a:t>;</a:t>
+            </a:r>
+          </a:p>
+          <a:p>
+            <a:r>
+              <a:rPr lang="en-US" dirty="0" smtClean="0">
+                <a:latin typeface="Consolas"/>
+                <a:cs typeface="Consolas"/>
+              </a:rPr>
+              <a:t>   n-&gt;</a:t>
+            </a:r>
+            <a:r>
+              <a:rPr lang="en-US" dirty="0" err="1" smtClean="0">
+                <a:latin typeface="Consolas"/>
+                <a:cs typeface="Consolas"/>
+              </a:rPr>
+              <a:t>val</a:t>
+            </a:r>
+            <a:r>
+              <a:rPr lang="en-US" dirty="0" smtClean="0">
+                <a:latin typeface="Consolas"/>
+                <a:cs typeface="Consolas"/>
+              </a:rPr>
+              <a:t> = </a:t>
+            </a:r>
+            <a:r>
+              <a:rPr lang="en-US" dirty="0" err="1" smtClean="0">
+                <a:latin typeface="Consolas"/>
+                <a:cs typeface="Consolas"/>
+              </a:rPr>
+              <a:t>val</a:t>
+            </a:r>
+            <a:r>
+              <a:rPr lang="en-US" dirty="0" smtClean="0">
+                <a:latin typeface="Consolas"/>
+                <a:cs typeface="Consolas"/>
+              </a:rPr>
+              <a:t>;</a:t>
+            </a:r>
+          </a:p>
+          <a:p>
+            <a:r>
+              <a:rPr lang="en-US" dirty="0" smtClean="0">
+                <a:latin typeface="Consolas"/>
+                <a:cs typeface="Consolas"/>
+              </a:rPr>
+              <a:t>   n-&gt;next = *</a:t>
+            </a:r>
+            <a:r>
+              <a:rPr lang="en-US" dirty="0" err="1" smtClean="0">
+                <a:latin typeface="Consolas"/>
+                <a:cs typeface="Consolas"/>
+              </a:rPr>
+              <a:t>headp</a:t>
+            </a:r>
+            <a:r>
+              <a:rPr lang="en-US" dirty="0" smtClean="0">
+                <a:latin typeface="Consolas"/>
+                <a:cs typeface="Consolas"/>
+              </a:rPr>
+              <a:t>;</a:t>
+            </a:r>
+          </a:p>
+          <a:p>
+            <a:r>
+              <a:rPr lang="en-US" dirty="0" smtClean="0">
+                <a:latin typeface="Consolas"/>
+                <a:cs typeface="Consolas"/>
+              </a:rPr>
+              <a:t>   *</a:t>
+            </a:r>
+            <a:r>
+              <a:rPr lang="en-US" dirty="0" err="1" smtClean="0">
+                <a:latin typeface="Consolas"/>
+                <a:cs typeface="Consolas"/>
+              </a:rPr>
+              <a:t>headp</a:t>
+            </a:r>
+            <a:r>
+              <a:rPr lang="en-US" dirty="0" smtClean="0">
+                <a:latin typeface="Consolas"/>
+                <a:cs typeface="Consolas"/>
+              </a:rPr>
+              <a:t> = n;</a:t>
+            </a:r>
+            <a:endParaRPr lang="en-US" dirty="0">
+              <a:latin typeface="Consolas"/>
+              <a:cs typeface="Consolas"/>
+            </a:endParaRPr>
+          </a:p>
+          <a:p>
+            <a:r>
+              <a:rPr lang="en-US" dirty="0" smtClean="0">
+                <a:latin typeface="Consolas"/>
+                <a:cs typeface="Consolas"/>
+              </a:rPr>
+              <a:t>}</a:t>
+            </a:r>
+          </a:p>
+          <a:p>
             <a:endParaRPr lang="en-US" dirty="0" smtClean="0">
               <a:latin typeface="Consolas"/>
               <a:cs typeface="Consolas"/>
@@ -20746,11 +20631,27 @@
           </a:p>
           <a:p>
             <a:r>
+              <a:rPr lang="en-US" dirty="0" err="1" smtClean="0">
+                <a:latin typeface="Consolas"/>
+                <a:cs typeface="Consolas"/>
+              </a:rPr>
+              <a:t>int</a:t>
+            </a:r>
+            <a:r>
               <a:rPr lang="en-US" dirty="0" smtClean="0">
                 <a:latin typeface="Consolas"/>
                 <a:cs typeface="Consolas"/>
               </a:rPr>
-              <a:t>   node *n;</a:t>
+              <a:t> main()</a:t>
+            </a:r>
+          </a:p>
+          <a:p>
+            <a:r>
+              <a:rPr lang="en-US" dirty="0" smtClean="0">
+                <a:latin typeface="Consolas"/>
+                <a:cs typeface="Consolas"/>
+              </a:rPr>
+              <a:t>{</a:t>
             </a:r>
           </a:p>
           <a:p>
@@ -20766,328 +20667,135 @@
                 <a:latin typeface="Consolas"/>
                 <a:cs typeface="Consolas"/>
               </a:rPr>
-              <a:t>  n = (</a:t>
-            </a:r>
+              <a:t>  node *head = NULL;</a:t>
+            </a:r>
+          </a:p>
+          <a:p>
             <a:r>
               <a:rPr lang="en-US" dirty="0">
                 <a:latin typeface="Consolas"/>
                 <a:cs typeface="Consolas"/>
               </a:rPr>
-              <a:t>node *)</a:t>
-            </a:r>
-            <a:r>
-              <a:rPr lang="en-US" dirty="0" err="1">
-                <a:latin typeface="Consolas"/>
-                <a:cs typeface="Consolas"/>
-              </a:rPr>
-              <a:t>malloc</a:t>
-            </a:r>
+              <a:t> </a:t>
+            </a:r>
+            <a:r>
+              <a:rPr lang="en-US" dirty="0" smtClean="0">
+                <a:latin typeface="Consolas"/>
+                <a:cs typeface="Consolas"/>
+              </a:rPr>
+              <a:t>  for (long </a:t>
+            </a:r>
+            <a:r>
+              <a:rPr lang="en-US" dirty="0" err="1" smtClean="0">
+                <a:latin typeface="Consolas"/>
+                <a:cs typeface="Consolas"/>
+              </a:rPr>
+              <a:t>i</a:t>
+            </a:r>
+            <a:r>
+              <a:rPr lang="en-US" dirty="0" smtClean="0">
+                <a:latin typeface="Consolas"/>
+                <a:cs typeface="Consolas"/>
+              </a:rPr>
+              <a:t> = 10; </a:t>
+            </a:r>
+            <a:r>
+              <a:rPr lang="en-US" dirty="0" err="1" smtClean="0">
+                <a:latin typeface="Consolas"/>
+                <a:cs typeface="Consolas"/>
+              </a:rPr>
+              <a:t>i</a:t>
+            </a:r>
+            <a:r>
+              <a:rPr lang="en-US" dirty="0" smtClean="0">
+                <a:latin typeface="Consolas"/>
+                <a:cs typeface="Consolas"/>
+              </a:rPr>
+              <a:t> &lt; 13; </a:t>
+            </a:r>
+            <a:r>
+              <a:rPr lang="en-US" dirty="0" err="1" smtClean="0">
+                <a:latin typeface="Consolas"/>
+                <a:cs typeface="Consolas"/>
+              </a:rPr>
+              <a:t>i</a:t>
+            </a:r>
+            <a:r>
+              <a:rPr lang="en-US" dirty="0" smtClean="0">
+                <a:latin typeface="Consolas"/>
+                <a:cs typeface="Consolas"/>
+              </a:rPr>
+              <a:t>++) {</a:t>
+            </a:r>
+          </a:p>
+          <a:p>
             <a:r>
               <a:rPr lang="en-US" dirty="0">
                 <a:latin typeface="Consolas"/>
                 <a:cs typeface="Consolas"/>
               </a:rPr>
-              <a:t>(</a:t>
-            </a:r>
-            <a:r>
-              <a:rPr lang="en-US" dirty="0" err="1">
-                <a:latin typeface="Consolas"/>
-                <a:cs typeface="Consolas"/>
-              </a:rPr>
-              <a:t>sizeof</a:t>
+              <a:t> </a:t>
+            </a:r>
+            <a:r>
+              <a:rPr lang="en-US" dirty="0" smtClean="0">
+                <a:latin typeface="Consolas"/>
+                <a:cs typeface="Consolas"/>
+              </a:rPr>
+              <a:t>  </a:t>
             </a:r>
             <a:r>
               <a:rPr lang="en-US" dirty="0">
                 <a:latin typeface="Consolas"/>
                 <a:cs typeface="Consolas"/>
               </a:rPr>
-              <a:t>(node))</a:t>
+              <a:t> </a:t>
             </a:r>
             <a:r>
               <a:rPr lang="en-US" dirty="0" smtClean="0">
                 <a:latin typeface="Consolas"/>
                 <a:cs typeface="Consolas"/>
               </a:rPr>
-              <a:t>;</a:t>
-            </a:r>
-          </a:p>
-          <a:p>
+              <a:t>  insert(&amp;head, </a:t>
+            </a:r>
+            <a:r>
+              <a:rPr lang="en-US" dirty="0" err="1" smtClean="0">
+                <a:latin typeface="Consolas"/>
+                <a:cs typeface="Consolas"/>
+              </a:rPr>
+              <a:t>i</a:t>
+            </a:r>
             <a:r>
               <a:rPr lang="en-US" dirty="0" smtClean="0">
                 <a:latin typeface="Consolas"/>
                 <a:cs typeface="Consolas"/>
               </a:rPr>
-              <a:t>   n-&gt;</a:t>
-            </a:r>
-            <a:r>
-              <a:rPr lang="en-US" dirty="0" err="1" smtClean="0">
-                <a:latin typeface="Consolas"/>
-                <a:cs typeface="Consolas"/>
-              </a:rPr>
-              <a:t>val</a:t>
+              <a:t>);</a:t>
+            </a:r>
+          </a:p>
+          <a:p>
+            <a:r>
+              <a:rPr lang="en-US" dirty="0">
+                <a:latin typeface="Consolas"/>
+                <a:cs typeface="Consolas"/>
+              </a:rPr>
+              <a:t> </a:t>
             </a:r>
             <a:r>
               <a:rPr lang="en-US" dirty="0" smtClean="0">
                 <a:latin typeface="Consolas"/>
                 <a:cs typeface="Consolas"/>
               </a:rPr>
-              <a:t> = </a:t>
-            </a:r>
-            <a:r>
-              <a:rPr lang="en-US" dirty="0" err="1" smtClean="0">
-                <a:latin typeface="Consolas"/>
-                <a:cs typeface="Consolas"/>
-              </a:rPr>
-              <a:t>val</a:t>
-            </a:r>
-            <a:r>
-              <a:rPr lang="en-US" dirty="0" smtClean="0">
-                <a:latin typeface="Consolas"/>
-                <a:cs typeface="Consolas"/>
-              </a:rPr>
-              <a:t>;</a:t>
-            </a:r>
-          </a:p>
-          <a:p>
-            <a:r>
-              <a:rPr lang="en-US" dirty="0" smtClean="0">
-                <a:latin typeface="Consolas"/>
-                <a:cs typeface="Consolas"/>
-              </a:rPr>
-              <a:t>   n-&gt;next = *</a:t>
-            </a:r>
-            <a:r>
-              <a:rPr lang="en-US" dirty="0" err="1" smtClean="0">
-                <a:latin typeface="Consolas"/>
-                <a:cs typeface="Consolas"/>
-              </a:rPr>
-              <a:t>headp</a:t>
-            </a:r>
-            <a:r>
-              <a:rPr lang="en-US" dirty="0" smtClean="0">
-                <a:latin typeface="Consolas"/>
-                <a:cs typeface="Consolas"/>
-              </a:rPr>
-              <a:t>;</a:t>
-            </a:r>
-          </a:p>
-          <a:p>
-            <a:r>
-              <a:rPr lang="en-US" dirty="0" smtClean="0">
-                <a:latin typeface="Consolas"/>
-                <a:cs typeface="Consolas"/>
-              </a:rPr>
-              <a:t>   *</a:t>
-            </a:r>
-            <a:r>
-              <a:rPr lang="en-US" dirty="0" err="1" smtClean="0">
-                <a:latin typeface="Consolas"/>
-                <a:cs typeface="Consolas"/>
-              </a:rPr>
-              <a:t>headp</a:t>
-            </a:r>
-            <a:r>
-              <a:rPr lang="en-US" dirty="0" smtClean="0">
-                <a:latin typeface="Consolas"/>
-                <a:cs typeface="Consolas"/>
-              </a:rPr>
-              <a:t> = n;</a:t>
-            </a:r>
-            <a:endParaRPr lang="en-US" dirty="0">
-              <a:latin typeface="Consolas"/>
-              <a:cs typeface="Consolas"/>
-            </a:endParaRPr>
-          </a:p>
-          <a:p>
-            <a:r>
-              <a:rPr lang="en-US" dirty="0" smtClean="0">
+              <a:t>  }  </a:t>
+            </a:r>
+          </a:p>
+          <a:p>
+            <a:r>
+              <a:rPr lang="en-US" dirty="0">
                 <a:latin typeface="Consolas"/>
                 <a:cs typeface="Consolas"/>
               </a:rPr>
               <a:t>}</a:t>
             </a:r>
-          </a:p>
-          <a:p>
-            <a:endParaRPr lang="en-US" dirty="0" smtClean="0">
-              <a:latin typeface="Consolas"/>
-              <a:cs typeface="Consolas"/>
-            </a:endParaRPr>
-          </a:p>
-          <a:p>
-            <a:r>
-              <a:rPr lang="en-US" dirty="0" err="1" smtClean="0">
-                <a:latin typeface="Consolas"/>
-                <a:cs typeface="Consolas"/>
-              </a:rPr>
-              <a:t>int</a:t>
-            </a:r>
-            <a:r>
-              <a:rPr lang="en-US" dirty="0" smtClean="0">
-                <a:latin typeface="Consolas"/>
-                <a:cs typeface="Consolas"/>
-              </a:rPr>
-              <a:t> main()</a:t>
-            </a:r>
-          </a:p>
-          <a:p>
-            <a:r>
-              <a:rPr lang="en-US" dirty="0" smtClean="0">
-                <a:latin typeface="Consolas"/>
-                <a:cs typeface="Consolas"/>
-              </a:rPr>
-              <a:t>{</a:t>
-            </a:r>
-          </a:p>
-          <a:p>
-            <a:r>
-              <a:rPr lang="en-US" dirty="0">
-                <a:latin typeface="Consolas"/>
-                <a:cs typeface="Consolas"/>
-              </a:rPr>
-              <a:t> </a:t>
-            </a:r>
-            <a:r>
-              <a:rPr lang="en-US" dirty="0" smtClean="0">
-                <a:latin typeface="Consolas"/>
-                <a:cs typeface="Consolas"/>
-              </a:rPr>
-              <a:t>  node *head = NULL;</a:t>
-            </a:r>
-          </a:p>
-          <a:p>
-            <a:r>
-              <a:rPr lang="en-US" dirty="0">
-                <a:latin typeface="Consolas"/>
-                <a:cs typeface="Consolas"/>
-              </a:rPr>
-              <a:t> </a:t>
-            </a:r>
-            <a:r>
-              <a:rPr lang="en-US" dirty="0" smtClean="0">
-                <a:latin typeface="Consolas"/>
-                <a:cs typeface="Consolas"/>
-              </a:rPr>
-              <a:t>  for (long </a:t>
-            </a:r>
-            <a:r>
-              <a:rPr lang="en-US" dirty="0" err="1" smtClean="0">
-                <a:latin typeface="Consolas"/>
-                <a:cs typeface="Consolas"/>
-              </a:rPr>
-              <a:t>i</a:t>
-            </a:r>
-            <a:r>
-              <a:rPr lang="en-US" dirty="0" smtClean="0">
-                <a:latin typeface="Consolas"/>
-                <a:cs typeface="Consolas"/>
-              </a:rPr>
-              <a:t> = 10; </a:t>
-            </a:r>
-            <a:r>
-              <a:rPr lang="en-US" dirty="0" err="1" smtClean="0">
-                <a:latin typeface="Consolas"/>
-                <a:cs typeface="Consolas"/>
-              </a:rPr>
-              <a:t>i</a:t>
-            </a:r>
-            <a:r>
-              <a:rPr lang="en-US" dirty="0" smtClean="0">
-                <a:latin typeface="Consolas"/>
-                <a:cs typeface="Consolas"/>
-              </a:rPr>
-              <a:t> &lt; 13; </a:t>
-            </a:r>
-            <a:r>
-              <a:rPr lang="en-US" dirty="0" err="1" smtClean="0">
-                <a:latin typeface="Consolas"/>
-                <a:cs typeface="Consolas"/>
-              </a:rPr>
-              <a:t>i</a:t>
-            </a:r>
-            <a:r>
-              <a:rPr lang="en-US" dirty="0" smtClean="0">
-                <a:latin typeface="Consolas"/>
-                <a:cs typeface="Consolas"/>
-              </a:rPr>
-              <a:t>++) {</a:t>
-            </a:r>
-          </a:p>
-          <a:p>
-            <a:r>
-              <a:rPr lang="en-US" dirty="0">
-                <a:latin typeface="Consolas"/>
-                <a:cs typeface="Consolas"/>
-              </a:rPr>
-              <a:t> </a:t>
-            </a:r>
-            <a:r>
-              <a:rPr lang="en-US" dirty="0" smtClean="0">
-                <a:latin typeface="Consolas"/>
-                <a:cs typeface="Consolas"/>
-              </a:rPr>
-              <a:t>  </a:t>
-            </a:r>
-            <a:r>
-              <a:rPr lang="en-US" dirty="0">
-                <a:latin typeface="Consolas"/>
-                <a:cs typeface="Consolas"/>
-              </a:rPr>
-              <a:t> </a:t>
-            </a:r>
-            <a:r>
-              <a:rPr lang="en-US" dirty="0" smtClean="0">
-                <a:latin typeface="Consolas"/>
-                <a:cs typeface="Consolas"/>
-              </a:rPr>
-              <a:t>  insert(&amp;head, </a:t>
-            </a:r>
-            <a:r>
-              <a:rPr lang="en-US" dirty="0" err="1" smtClean="0">
-                <a:latin typeface="Consolas"/>
-                <a:cs typeface="Consolas"/>
-              </a:rPr>
-              <a:t>i</a:t>
-            </a:r>
-            <a:r>
-              <a:rPr lang="en-US" dirty="0" smtClean="0">
-                <a:latin typeface="Consolas"/>
-                <a:cs typeface="Consolas"/>
-              </a:rPr>
-              <a:t>);</a:t>
-            </a:r>
-          </a:p>
-          <a:p>
-            <a:r>
-              <a:rPr lang="en-US" dirty="0">
-                <a:latin typeface="Consolas"/>
-                <a:cs typeface="Consolas"/>
-              </a:rPr>
-              <a:t> </a:t>
-            </a:r>
-            <a:r>
-              <a:rPr lang="en-US" dirty="0" smtClean="0">
-                <a:latin typeface="Consolas"/>
-                <a:cs typeface="Consolas"/>
-              </a:rPr>
-              <a:t>  }  </a:t>
-            </a:r>
-            <a:endParaRPr lang="en-US" dirty="0" smtClean="0">
-              <a:latin typeface="Consolas"/>
-              <a:cs typeface="Consolas"/>
-            </a:endParaRPr>
-          </a:p>
-          <a:p>
-            <a:r>
-              <a:rPr lang="en-US" dirty="0">
-                <a:latin typeface="Consolas"/>
-                <a:cs typeface="Consolas"/>
-              </a:rPr>
-              <a:t>}</a:t>
-            </a:r>
-            <a:endParaRPr lang="en-US" dirty="0">
-              <a:latin typeface="Consolas"/>
-              <a:cs typeface="Consolas"/>
-            </a:endParaRPr>
           </a:p>
         </p:txBody>
       </p:sp>
@@ -21545,7 +21253,6 @@
               <a:rPr lang="en-US" dirty="0" smtClean="0"/>
               <a:t>Global</a:t>
             </a:r>
-            <a:endParaRPr lang="en-US" dirty="0" smtClean="0"/>
           </a:p>
         </p:txBody>
       </p:sp>
@@ -21575,7 +21282,6 @@
               <a:rPr lang="en-US" dirty="0" smtClean="0"/>
               <a:t>Heap</a:t>
             </a:r>
-            <a:endParaRPr lang="en-US" dirty="0" smtClean="0"/>
           </a:p>
         </p:txBody>
       </p:sp>
@@ -21605,7 +21311,6 @@
               <a:rPr lang="en-US" dirty="0" smtClean="0"/>
               <a:t>Stack</a:t>
             </a:r>
-            <a:endParaRPr lang="en-US" dirty="0" smtClean="0"/>
           </a:p>
         </p:txBody>
       </p:sp>
@@ -22054,28 +21759,7 @@
                 <a:latin typeface="Consolas"/>
                 <a:cs typeface="Consolas"/>
               </a:rPr>
-              <a:t>void </a:t>
-            </a:r>
-            <a:r>
-              <a:rPr lang="en-US" dirty="0" smtClean="0">
-                <a:latin typeface="Consolas"/>
-                <a:cs typeface="Consolas"/>
-              </a:rPr>
-              <a:t>insert</a:t>
-            </a:r>
-            <a:r>
-              <a:rPr lang="en-US" dirty="0" smtClean="0">
-                <a:latin typeface="Consolas"/>
-                <a:cs typeface="Consolas"/>
-              </a:rPr>
-              <a:t>(node </a:t>
-            </a:r>
-            <a:r>
-              <a:rPr lang="en-US" dirty="0" smtClean="0">
-                <a:latin typeface="Consolas"/>
-                <a:cs typeface="Consolas"/>
-              </a:rPr>
-              <a:t>**</a:t>
+              <a:t>void insert(node **</a:t>
             </a:r>
             <a:r>
               <a:rPr lang="en-US" dirty="0" err="1" smtClean="0">
@@ -22118,6 +21802,171 @@
               </a:rPr>
               <a:t>{</a:t>
             </a:r>
+          </a:p>
+          <a:p>
+            <a:r>
+              <a:rPr lang="en-US" dirty="0" smtClean="0">
+                <a:latin typeface="Consolas"/>
+                <a:cs typeface="Consolas"/>
+              </a:rPr>
+              <a:t>   node *n;</a:t>
+            </a:r>
+          </a:p>
+          <a:p>
+            <a:r>
+              <a:rPr lang="en-US" dirty="0">
+                <a:latin typeface="Consolas"/>
+                <a:cs typeface="Consolas"/>
+              </a:rPr>
+              <a:t> </a:t>
+            </a:r>
+            <a:r>
+              <a:rPr lang="en-US" dirty="0" smtClean="0">
+                <a:latin typeface="Consolas"/>
+                <a:cs typeface="Consolas"/>
+              </a:rPr>
+              <a:t>  n = (</a:t>
+            </a:r>
+            <a:r>
+              <a:rPr lang="en-US" dirty="0">
+                <a:latin typeface="Consolas"/>
+                <a:cs typeface="Consolas"/>
+              </a:rPr>
+              <a:t>node *)</a:t>
+            </a:r>
+            <a:r>
+              <a:rPr lang="en-US" dirty="0" err="1">
+                <a:latin typeface="Consolas"/>
+                <a:cs typeface="Consolas"/>
+              </a:rPr>
+              <a:t>malloc</a:t>
+            </a:r>
+            <a:r>
+              <a:rPr lang="en-US" dirty="0">
+                <a:latin typeface="Consolas"/>
+                <a:cs typeface="Consolas"/>
+              </a:rPr>
+              <a:t>(</a:t>
+            </a:r>
+            <a:r>
+              <a:rPr lang="en-US" dirty="0" err="1">
+                <a:latin typeface="Consolas"/>
+                <a:cs typeface="Consolas"/>
+              </a:rPr>
+              <a:t>sizeof</a:t>
+            </a:r>
+            <a:r>
+              <a:rPr lang="en-US" dirty="0">
+                <a:latin typeface="Consolas"/>
+                <a:cs typeface="Consolas"/>
+              </a:rPr>
+              <a:t>(node))</a:t>
+            </a:r>
+            <a:r>
+              <a:rPr lang="en-US" dirty="0" smtClean="0">
+                <a:latin typeface="Consolas"/>
+                <a:cs typeface="Consolas"/>
+              </a:rPr>
+              <a:t>;</a:t>
+            </a:r>
+          </a:p>
+          <a:p>
+            <a:r>
+              <a:rPr lang="en-US" dirty="0" smtClean="0">
+                <a:latin typeface="Consolas"/>
+                <a:cs typeface="Consolas"/>
+              </a:rPr>
+              <a:t>   n-&gt;</a:t>
+            </a:r>
+            <a:r>
+              <a:rPr lang="en-US" dirty="0" err="1" smtClean="0">
+                <a:latin typeface="Consolas"/>
+                <a:cs typeface="Consolas"/>
+              </a:rPr>
+              <a:t>val</a:t>
+            </a:r>
+            <a:r>
+              <a:rPr lang="en-US" dirty="0" smtClean="0">
+                <a:latin typeface="Consolas"/>
+                <a:cs typeface="Consolas"/>
+              </a:rPr>
+              <a:t> = </a:t>
+            </a:r>
+            <a:r>
+              <a:rPr lang="en-US" dirty="0" err="1" smtClean="0">
+                <a:latin typeface="Consolas"/>
+                <a:cs typeface="Consolas"/>
+              </a:rPr>
+              <a:t>val</a:t>
+            </a:r>
+            <a:r>
+              <a:rPr lang="en-US" dirty="0" smtClean="0">
+                <a:latin typeface="Consolas"/>
+                <a:cs typeface="Consolas"/>
+              </a:rPr>
+              <a:t>;</a:t>
+            </a:r>
+          </a:p>
+          <a:p>
+            <a:r>
+              <a:rPr lang="en-US" dirty="0" smtClean="0">
+                <a:latin typeface="Consolas"/>
+                <a:cs typeface="Consolas"/>
+              </a:rPr>
+              <a:t>   n-&gt;next = *</a:t>
+            </a:r>
+            <a:r>
+              <a:rPr lang="en-US" dirty="0" err="1" smtClean="0">
+                <a:latin typeface="Consolas"/>
+                <a:cs typeface="Consolas"/>
+              </a:rPr>
+              <a:t>headp</a:t>
+            </a:r>
+            <a:r>
+              <a:rPr lang="en-US" dirty="0" smtClean="0">
+                <a:latin typeface="Consolas"/>
+                <a:cs typeface="Consolas"/>
+              </a:rPr>
+              <a:t>;</a:t>
+            </a:r>
+          </a:p>
+          <a:p>
+            <a:r>
+              <a:rPr lang="en-US" dirty="0" smtClean="0">
+                <a:latin typeface="Consolas"/>
+                <a:cs typeface="Consolas"/>
+              </a:rPr>
+              <a:t>   *</a:t>
+            </a:r>
+            <a:r>
+              <a:rPr lang="en-US" dirty="0" err="1" smtClean="0">
+                <a:latin typeface="Consolas"/>
+                <a:cs typeface="Consolas"/>
+              </a:rPr>
+              <a:t>headp</a:t>
+            </a:r>
+            <a:r>
+              <a:rPr lang="en-US" dirty="0" smtClean="0">
+                <a:latin typeface="Consolas"/>
+                <a:cs typeface="Consolas"/>
+              </a:rPr>
+              <a:t> = n;</a:t>
+            </a:r>
+            <a:endParaRPr lang="en-US" dirty="0">
+              <a:latin typeface="Consolas"/>
+              <a:cs typeface="Consolas"/>
+            </a:endParaRPr>
+          </a:p>
+          <a:p>
+            <a:r>
+              <a:rPr lang="en-US" dirty="0" smtClean="0">
+                <a:latin typeface="Consolas"/>
+                <a:cs typeface="Consolas"/>
+              </a:rPr>
+              <a:t>}</a:t>
+            </a:r>
+          </a:p>
+          <a:p>
             <a:endParaRPr lang="en-US" dirty="0" smtClean="0">
               <a:latin typeface="Consolas"/>
               <a:cs typeface="Consolas"/>
@@ -22125,11 +21974,27 @@
           </a:p>
           <a:p>
             <a:r>
+              <a:rPr lang="en-US" dirty="0" err="1" smtClean="0">
+                <a:latin typeface="Consolas"/>
+                <a:cs typeface="Consolas"/>
+              </a:rPr>
+              <a:t>int</a:t>
+            </a:r>
+            <a:r>
               <a:rPr lang="en-US" dirty="0" smtClean="0">
                 <a:latin typeface="Consolas"/>
                 <a:cs typeface="Consolas"/>
               </a:rPr>
-              <a:t>   node *n;</a:t>
+              <a:t> main()</a:t>
+            </a:r>
+          </a:p>
+          <a:p>
+            <a:r>
+              <a:rPr lang="en-US" dirty="0" smtClean="0">
+                <a:latin typeface="Consolas"/>
+                <a:cs typeface="Consolas"/>
+              </a:rPr>
+              <a:t>{</a:t>
             </a:r>
           </a:p>
           <a:p>
@@ -22145,328 +22010,135 @@
                 <a:latin typeface="Consolas"/>
                 <a:cs typeface="Consolas"/>
               </a:rPr>
-              <a:t>  n = (</a:t>
-            </a:r>
+              <a:t>  node *head = NULL;</a:t>
+            </a:r>
+          </a:p>
+          <a:p>
             <a:r>
               <a:rPr lang="en-US" dirty="0">
                 <a:latin typeface="Consolas"/>
                 <a:cs typeface="Consolas"/>
               </a:rPr>
-              <a:t>node *)</a:t>
-            </a:r>
-            <a:r>
-              <a:rPr lang="en-US" dirty="0" err="1">
-                <a:latin typeface="Consolas"/>
-                <a:cs typeface="Consolas"/>
-              </a:rPr>
-              <a:t>malloc</a:t>
-            </a:r>
+              <a:t> </a:t>
+            </a:r>
+            <a:r>
+              <a:rPr lang="en-US" dirty="0" smtClean="0">
+                <a:latin typeface="Consolas"/>
+                <a:cs typeface="Consolas"/>
+              </a:rPr>
+              <a:t>  for (long </a:t>
+            </a:r>
+            <a:r>
+              <a:rPr lang="en-US" dirty="0" err="1" smtClean="0">
+                <a:latin typeface="Consolas"/>
+                <a:cs typeface="Consolas"/>
+              </a:rPr>
+              <a:t>i</a:t>
+            </a:r>
+            <a:r>
+              <a:rPr lang="en-US" dirty="0" smtClean="0">
+                <a:latin typeface="Consolas"/>
+                <a:cs typeface="Consolas"/>
+              </a:rPr>
+              <a:t> = 10; </a:t>
+            </a:r>
+            <a:r>
+              <a:rPr lang="en-US" dirty="0" err="1" smtClean="0">
+                <a:latin typeface="Consolas"/>
+                <a:cs typeface="Consolas"/>
+              </a:rPr>
+              <a:t>i</a:t>
+            </a:r>
+            <a:r>
+              <a:rPr lang="en-US" dirty="0" smtClean="0">
+                <a:latin typeface="Consolas"/>
+                <a:cs typeface="Consolas"/>
+              </a:rPr>
+              <a:t> &lt; 13; </a:t>
+            </a:r>
+            <a:r>
+              <a:rPr lang="en-US" dirty="0" err="1" smtClean="0">
+                <a:latin typeface="Consolas"/>
+                <a:cs typeface="Consolas"/>
+              </a:rPr>
+              <a:t>i</a:t>
+            </a:r>
+            <a:r>
+              <a:rPr lang="en-US" dirty="0" smtClean="0">
+                <a:latin typeface="Consolas"/>
+                <a:cs typeface="Consolas"/>
+              </a:rPr>
+              <a:t>++) {</a:t>
+            </a:r>
+          </a:p>
+          <a:p>
             <a:r>
               <a:rPr lang="en-US" dirty="0">
                 <a:latin typeface="Consolas"/>
                 <a:cs typeface="Consolas"/>
               </a:rPr>
-              <a:t>(</a:t>
-            </a:r>
-            <a:r>
-              <a:rPr lang="en-US" dirty="0" err="1">
-                <a:latin typeface="Consolas"/>
-                <a:cs typeface="Consolas"/>
-              </a:rPr>
-              <a:t>sizeof</a:t>
+              <a:t> </a:t>
+            </a:r>
+            <a:r>
+              <a:rPr lang="en-US" dirty="0" smtClean="0">
+                <a:latin typeface="Consolas"/>
+                <a:cs typeface="Consolas"/>
+              </a:rPr>
+              <a:t>  </a:t>
             </a:r>
             <a:r>
               <a:rPr lang="en-US" dirty="0">
                 <a:latin typeface="Consolas"/>
                 <a:cs typeface="Consolas"/>
               </a:rPr>
-              <a:t>(node))</a:t>
+              <a:t> </a:t>
             </a:r>
             <a:r>
               <a:rPr lang="en-US" dirty="0" smtClean="0">
                 <a:latin typeface="Consolas"/>
                 <a:cs typeface="Consolas"/>
               </a:rPr>
-              <a:t>;</a:t>
-            </a:r>
-          </a:p>
-          <a:p>
+              <a:t>  insert(&amp;head, </a:t>
+            </a:r>
+            <a:r>
+              <a:rPr lang="en-US" dirty="0" err="1" smtClean="0">
+                <a:latin typeface="Consolas"/>
+                <a:cs typeface="Consolas"/>
+              </a:rPr>
+              <a:t>i</a:t>
+            </a:r>
             <a:r>
               <a:rPr lang="en-US" dirty="0" smtClean="0">
                 <a:latin typeface="Consolas"/>
                 <a:cs typeface="Consolas"/>
               </a:rPr>
-              <a:t>   n-&gt;</a:t>
-            </a:r>
-            <a:r>
-              <a:rPr lang="en-US" dirty="0" err="1" smtClean="0">
-                <a:latin typeface="Consolas"/>
-                <a:cs typeface="Consolas"/>
-              </a:rPr>
-              <a:t>val</a:t>
+              <a:t>);</a:t>
+            </a:r>
+          </a:p>
+          <a:p>
+            <a:r>
+              <a:rPr lang="en-US" dirty="0">
+                <a:latin typeface="Consolas"/>
+                <a:cs typeface="Consolas"/>
+              </a:rPr>
+              <a:t> </a:t>
             </a:r>
             <a:r>
               <a:rPr lang="en-US" dirty="0" smtClean="0">
                 <a:latin typeface="Consolas"/>
                 <a:cs typeface="Consolas"/>
               </a:rPr>
-              <a:t> = </a:t>
-            </a:r>
-            <a:r>
-              <a:rPr lang="en-US" dirty="0" err="1" smtClean="0">
-                <a:latin typeface="Consolas"/>
-                <a:cs typeface="Consolas"/>
-              </a:rPr>
-              <a:t>val</a:t>
-            </a:r>
-            <a:r>
-              <a:rPr lang="en-US" dirty="0" smtClean="0">
-                <a:latin typeface="Consolas"/>
-                <a:cs typeface="Consolas"/>
-              </a:rPr>
-              <a:t>;</a:t>
-            </a:r>
-          </a:p>
-          <a:p>
-            <a:r>
-              <a:rPr lang="en-US" dirty="0" smtClean="0">
-                <a:latin typeface="Consolas"/>
-                <a:cs typeface="Consolas"/>
-              </a:rPr>
-              <a:t>   n-&gt;next = *</a:t>
-            </a:r>
-            <a:r>
-              <a:rPr lang="en-US" dirty="0" err="1" smtClean="0">
-                <a:latin typeface="Consolas"/>
-                <a:cs typeface="Consolas"/>
-              </a:rPr>
-              <a:t>headp</a:t>
-            </a:r>
-            <a:r>
-              <a:rPr lang="en-US" dirty="0" smtClean="0">
-                <a:latin typeface="Consolas"/>
-                <a:cs typeface="Consolas"/>
-              </a:rPr>
-              <a:t>;</a:t>
-            </a:r>
-          </a:p>
-          <a:p>
-            <a:r>
-              <a:rPr lang="en-US" dirty="0" smtClean="0">
-                <a:latin typeface="Consolas"/>
-                <a:cs typeface="Consolas"/>
-              </a:rPr>
-              <a:t>   *</a:t>
-            </a:r>
-            <a:r>
-              <a:rPr lang="en-US" dirty="0" err="1" smtClean="0">
-                <a:latin typeface="Consolas"/>
-                <a:cs typeface="Consolas"/>
-              </a:rPr>
-              <a:t>headp</a:t>
-            </a:r>
-            <a:r>
-              <a:rPr lang="en-US" dirty="0" smtClean="0">
-                <a:latin typeface="Consolas"/>
-                <a:cs typeface="Consolas"/>
-              </a:rPr>
-              <a:t> = n;</a:t>
-            </a:r>
-            <a:endParaRPr lang="en-US" dirty="0">
-              <a:latin typeface="Consolas"/>
-              <a:cs typeface="Consolas"/>
-            </a:endParaRPr>
-          </a:p>
-          <a:p>
-            <a:r>
-              <a:rPr lang="en-US" dirty="0" smtClean="0">
+              <a:t>  }  </a:t>
+            </a:r>
+          </a:p>
+          <a:p>
+            <a:r>
+              <a:rPr lang="en-US" dirty="0">
                 <a:latin typeface="Consolas"/>
                 <a:cs typeface="Consolas"/>
               </a:rPr>
               <a:t>}</a:t>
             </a:r>
-          </a:p>
-          <a:p>
-            <a:endParaRPr lang="en-US" dirty="0" smtClean="0">
-              <a:latin typeface="Consolas"/>
-              <a:cs typeface="Consolas"/>
-            </a:endParaRPr>
-          </a:p>
-          <a:p>
-            <a:r>
-              <a:rPr lang="en-US" dirty="0" err="1" smtClean="0">
-                <a:latin typeface="Consolas"/>
-                <a:cs typeface="Consolas"/>
-              </a:rPr>
-              <a:t>int</a:t>
-            </a:r>
-            <a:r>
-              <a:rPr lang="en-US" dirty="0" smtClean="0">
-                <a:latin typeface="Consolas"/>
-                <a:cs typeface="Consolas"/>
-              </a:rPr>
-              <a:t> main()</a:t>
-            </a:r>
-          </a:p>
-          <a:p>
-            <a:r>
-              <a:rPr lang="en-US" dirty="0" smtClean="0">
-                <a:latin typeface="Consolas"/>
-                <a:cs typeface="Consolas"/>
-              </a:rPr>
-              <a:t>{</a:t>
-            </a:r>
-          </a:p>
-          <a:p>
-            <a:r>
-              <a:rPr lang="en-US" dirty="0">
-                <a:latin typeface="Consolas"/>
-                <a:cs typeface="Consolas"/>
-              </a:rPr>
-              <a:t> </a:t>
-            </a:r>
-            <a:r>
-              <a:rPr lang="en-US" dirty="0" smtClean="0">
-                <a:latin typeface="Consolas"/>
-                <a:cs typeface="Consolas"/>
-              </a:rPr>
-              <a:t>  node *head = NULL;</a:t>
-            </a:r>
-          </a:p>
-          <a:p>
-            <a:r>
-              <a:rPr lang="en-US" dirty="0">
-                <a:latin typeface="Consolas"/>
-                <a:cs typeface="Consolas"/>
-              </a:rPr>
-              <a:t> </a:t>
-            </a:r>
-            <a:r>
-              <a:rPr lang="en-US" dirty="0" smtClean="0">
-                <a:latin typeface="Consolas"/>
-                <a:cs typeface="Consolas"/>
-              </a:rPr>
-              <a:t>  for (long </a:t>
-            </a:r>
-            <a:r>
-              <a:rPr lang="en-US" dirty="0" err="1" smtClean="0">
-                <a:latin typeface="Consolas"/>
-                <a:cs typeface="Consolas"/>
-              </a:rPr>
-              <a:t>i</a:t>
-            </a:r>
-            <a:r>
-              <a:rPr lang="en-US" dirty="0" smtClean="0">
-                <a:latin typeface="Consolas"/>
-                <a:cs typeface="Consolas"/>
-              </a:rPr>
-              <a:t> = 10; </a:t>
-            </a:r>
-            <a:r>
-              <a:rPr lang="en-US" dirty="0" err="1" smtClean="0">
-                <a:latin typeface="Consolas"/>
-                <a:cs typeface="Consolas"/>
-              </a:rPr>
-              <a:t>i</a:t>
-            </a:r>
-            <a:r>
-              <a:rPr lang="en-US" dirty="0" smtClean="0">
-                <a:latin typeface="Consolas"/>
-                <a:cs typeface="Consolas"/>
-              </a:rPr>
-              <a:t> &lt; 13; </a:t>
-            </a:r>
-            <a:r>
-              <a:rPr lang="en-US" dirty="0" err="1" smtClean="0">
-                <a:latin typeface="Consolas"/>
-                <a:cs typeface="Consolas"/>
-              </a:rPr>
-              <a:t>i</a:t>
-            </a:r>
-            <a:r>
-              <a:rPr lang="en-US" dirty="0" smtClean="0">
-                <a:latin typeface="Consolas"/>
-                <a:cs typeface="Consolas"/>
-              </a:rPr>
-              <a:t>++) {</a:t>
-            </a:r>
-          </a:p>
-          <a:p>
-            <a:r>
-              <a:rPr lang="en-US" dirty="0">
-                <a:latin typeface="Consolas"/>
-                <a:cs typeface="Consolas"/>
-              </a:rPr>
-              <a:t> </a:t>
-            </a:r>
-            <a:r>
-              <a:rPr lang="en-US" dirty="0" smtClean="0">
-                <a:latin typeface="Consolas"/>
-                <a:cs typeface="Consolas"/>
-              </a:rPr>
-              <a:t>  </a:t>
-            </a:r>
-            <a:r>
-              <a:rPr lang="en-US" dirty="0">
-                <a:latin typeface="Consolas"/>
-                <a:cs typeface="Consolas"/>
-              </a:rPr>
-              <a:t> </a:t>
-            </a:r>
-            <a:r>
-              <a:rPr lang="en-US" dirty="0" smtClean="0">
-                <a:latin typeface="Consolas"/>
-                <a:cs typeface="Consolas"/>
-              </a:rPr>
-              <a:t>  insert(&amp;head, </a:t>
-            </a:r>
-            <a:r>
-              <a:rPr lang="en-US" dirty="0" err="1" smtClean="0">
-                <a:latin typeface="Consolas"/>
-                <a:cs typeface="Consolas"/>
-              </a:rPr>
-              <a:t>i</a:t>
-            </a:r>
-            <a:r>
-              <a:rPr lang="en-US" dirty="0" smtClean="0">
-                <a:latin typeface="Consolas"/>
-                <a:cs typeface="Consolas"/>
-              </a:rPr>
-              <a:t>);</a:t>
-            </a:r>
-          </a:p>
-          <a:p>
-            <a:r>
-              <a:rPr lang="en-US" dirty="0">
-                <a:latin typeface="Consolas"/>
-                <a:cs typeface="Consolas"/>
-              </a:rPr>
-              <a:t> </a:t>
-            </a:r>
-            <a:r>
-              <a:rPr lang="en-US" dirty="0" smtClean="0">
-                <a:latin typeface="Consolas"/>
-                <a:cs typeface="Consolas"/>
-              </a:rPr>
-              <a:t>  }  </a:t>
-            </a:r>
-            <a:endParaRPr lang="en-US" dirty="0" smtClean="0">
-              <a:latin typeface="Consolas"/>
-              <a:cs typeface="Consolas"/>
-            </a:endParaRPr>
-          </a:p>
-          <a:p>
-            <a:r>
-              <a:rPr lang="en-US" dirty="0">
-                <a:latin typeface="Consolas"/>
-                <a:cs typeface="Consolas"/>
-              </a:rPr>
-              <a:t>}</a:t>
-            </a:r>
-            <a:endParaRPr lang="en-US" dirty="0">
-              <a:latin typeface="Consolas"/>
-              <a:cs typeface="Consolas"/>
-            </a:endParaRPr>
           </a:p>
         </p:txBody>
       </p:sp>
@@ -22880,7 +22552,6 @@
               <a:rPr lang="en-US" dirty="0" smtClean="0"/>
               <a:t>Global</a:t>
             </a:r>
-            <a:endParaRPr lang="en-US" dirty="0" smtClean="0"/>
           </a:p>
         </p:txBody>
       </p:sp>
@@ -22910,7 +22581,6 @@
               <a:rPr lang="en-US" dirty="0" smtClean="0"/>
               <a:t>Heap</a:t>
             </a:r>
-            <a:endParaRPr lang="en-US" dirty="0" smtClean="0"/>
           </a:p>
         </p:txBody>
       </p:sp>
@@ -22940,7 +22610,6 @@
               <a:rPr lang="en-US" dirty="0" smtClean="0"/>
               <a:t>Stack</a:t>
             </a:r>
-            <a:endParaRPr lang="en-US" dirty="0" smtClean="0"/>
           </a:p>
         </p:txBody>
       </p:sp>
@@ -23388,28 +23057,7 @@
                 <a:latin typeface="Consolas"/>
                 <a:cs typeface="Consolas"/>
               </a:rPr>
-              <a:t>void </a:t>
-            </a:r>
-            <a:r>
-              <a:rPr lang="en-US" dirty="0" smtClean="0">
-                <a:latin typeface="Consolas"/>
-                <a:cs typeface="Consolas"/>
-              </a:rPr>
-              <a:t>insert</a:t>
-            </a:r>
-            <a:r>
-              <a:rPr lang="en-US" dirty="0" smtClean="0">
-                <a:latin typeface="Consolas"/>
-                <a:cs typeface="Consolas"/>
-              </a:rPr>
-              <a:t>(node </a:t>
-            </a:r>
-            <a:r>
-              <a:rPr lang="en-US" dirty="0" smtClean="0">
-                <a:latin typeface="Consolas"/>
-                <a:cs typeface="Consolas"/>
-              </a:rPr>
-              <a:t>**</a:t>
+              <a:t>void insert(node **</a:t>
             </a:r>
             <a:r>
               <a:rPr lang="en-US" dirty="0" err="1" smtClean="0">
@@ -23452,10 +23100,6 @@
               </a:rPr>
               <a:t>{</a:t>
             </a:r>
-            <a:endParaRPr lang="en-US" dirty="0" smtClean="0">
-              <a:latin typeface="Consolas"/>
-              <a:cs typeface="Consolas"/>
-            </a:endParaRPr>
           </a:p>
           <a:p>
             <a:r>
@@ -23851,10 +23495,6 @@
               </a:rPr>
               <a:t>  }  </a:t>
             </a:r>
-            <a:endParaRPr lang="en-US" dirty="0" smtClean="0">
-              <a:latin typeface="Consolas"/>
-              <a:cs typeface="Consolas"/>
-            </a:endParaRPr>
           </a:p>
           <a:p>
             <a:r>
@@ -23864,10 +23504,6 @@
               </a:rPr>
               <a:t>}</a:t>
             </a:r>
-            <a:endParaRPr lang="en-US" dirty="0">
-              <a:latin typeface="Consolas"/>
-              <a:cs typeface="Consolas"/>
-            </a:endParaRPr>
           </a:p>
         </p:txBody>
       </p:sp>
@@ -24276,7 +23912,6 @@
               <a:rPr lang="en-US" dirty="0" smtClean="0"/>
               <a:t>Global</a:t>
             </a:r>
-            <a:endParaRPr lang="en-US" dirty="0" smtClean="0"/>
           </a:p>
         </p:txBody>
       </p:sp>
@@ -24306,7 +23941,6 @@
               <a:rPr lang="en-US" dirty="0" smtClean="0"/>
               <a:t>Heap</a:t>
             </a:r>
-            <a:endParaRPr lang="en-US" dirty="0" smtClean="0"/>
           </a:p>
         </p:txBody>
       </p:sp>
@@ -24336,7 +23970,6 @@
               <a:rPr lang="en-US" dirty="0" smtClean="0"/>
               <a:t>Stack</a:t>
             </a:r>
-            <a:endParaRPr lang="en-US" dirty="0" smtClean="0"/>
           </a:p>
         </p:txBody>
       </p:sp>
@@ -24847,28 +24480,7 @@
                 <a:latin typeface="Consolas"/>
                 <a:cs typeface="Consolas"/>
               </a:rPr>
-              <a:t>void </a:t>
-            </a:r>
-            <a:r>
-              <a:rPr lang="en-US" dirty="0" smtClean="0">
-                <a:latin typeface="Consolas"/>
-                <a:cs typeface="Consolas"/>
-              </a:rPr>
-              <a:t>insert</a:t>
-            </a:r>
-            <a:r>
-              <a:rPr lang="en-US" dirty="0" smtClean="0">
-                <a:latin typeface="Consolas"/>
-                <a:cs typeface="Consolas"/>
-              </a:rPr>
-              <a:t>(node </a:t>
-            </a:r>
-            <a:r>
-              <a:rPr lang="en-US" dirty="0" smtClean="0">
-                <a:latin typeface="Consolas"/>
-                <a:cs typeface="Consolas"/>
-              </a:rPr>
-              <a:t>**</a:t>
+              <a:t>void insert(node **</a:t>
             </a:r>
             <a:r>
               <a:rPr lang="en-US" dirty="0" err="1" smtClean="0">
@@ -24911,10 +24523,6 @@
               </a:rPr>
               <a:t>{</a:t>
             </a:r>
-            <a:endParaRPr lang="en-US" dirty="0" smtClean="0">
-              <a:latin typeface="Consolas"/>
-              <a:cs typeface="Consolas"/>
-            </a:endParaRPr>
           </a:p>
           <a:p>
             <a:r>
@@ -25263,10 +24871,6 @@
               </a:rPr>
               <a:t>  }  </a:t>
             </a:r>
-            <a:endParaRPr lang="en-US" dirty="0" smtClean="0">
-              <a:latin typeface="Consolas"/>
-              <a:cs typeface="Consolas"/>
-            </a:endParaRPr>
           </a:p>
           <a:p>
             <a:r>
@@ -25276,10 +24880,6 @@
               </a:rPr>
               <a:t>}</a:t>
             </a:r>
-            <a:endParaRPr lang="en-US" dirty="0">
-              <a:latin typeface="Consolas"/>
-              <a:cs typeface="Consolas"/>
-            </a:endParaRPr>
           </a:p>
         </p:txBody>
       </p:sp>
@@ -25688,7 +25288,6 @@
               <a:rPr lang="en-US" dirty="0" smtClean="0"/>
               <a:t>Global</a:t>
             </a:r>
-            <a:endParaRPr lang="en-US" dirty="0" smtClean="0"/>
           </a:p>
         </p:txBody>
       </p:sp>
@@ -25718,7 +25317,6 @@
               <a:rPr lang="en-US" dirty="0" smtClean="0"/>
               <a:t>Heap</a:t>
             </a:r>
-            <a:endParaRPr lang="en-US" dirty="0" smtClean="0"/>
           </a:p>
         </p:txBody>
       </p:sp>
@@ -25748,7 +25346,6 @@
               <a:rPr lang="en-US" dirty="0" smtClean="0"/>
               <a:t>Stack</a:t>
             </a:r>
-            <a:endParaRPr lang="en-US" dirty="0" smtClean="0"/>
           </a:p>
         </p:txBody>
       </p:sp>
@@ -26302,28 +25899,7 @@
                 <a:latin typeface="Consolas"/>
                 <a:cs typeface="Consolas"/>
               </a:rPr>
-              <a:t>void </a:t>
-            </a:r>
-            <a:r>
-              <a:rPr lang="en-US" dirty="0" smtClean="0">
-                <a:latin typeface="Consolas"/>
-                <a:cs typeface="Consolas"/>
-              </a:rPr>
-              <a:t>insert</a:t>
-            </a:r>
-            <a:r>
-              <a:rPr lang="en-US" dirty="0" smtClean="0">
-                <a:latin typeface="Consolas"/>
-                <a:cs typeface="Consolas"/>
-              </a:rPr>
-              <a:t>(node </a:t>
-            </a:r>
-            <a:r>
-              <a:rPr lang="en-US" dirty="0" smtClean="0">
-                <a:latin typeface="Consolas"/>
-                <a:cs typeface="Consolas"/>
-              </a:rPr>
-              <a:t>**</a:t>
+              <a:t>void insert(node **</a:t>
             </a:r>
             <a:r>
               <a:rPr lang="en-US" dirty="0" err="1" smtClean="0">
@@ -26366,10 +25942,6 @@
               </a:rPr>
               <a:t>{</a:t>
             </a:r>
-            <a:endParaRPr lang="en-US" dirty="0" smtClean="0">
-              <a:latin typeface="Consolas"/>
-              <a:cs typeface="Consolas"/>
-            </a:endParaRPr>
           </a:p>
           <a:p>
             <a:r>
@@ -26710,10 +26282,6 @@
               </a:rPr>
               <a:t>  }  </a:t>
             </a:r>
-            <a:endParaRPr lang="en-US" dirty="0" smtClean="0">
-              <a:latin typeface="Consolas"/>
-              <a:cs typeface="Consolas"/>
-            </a:endParaRPr>
           </a:p>
           <a:p>
             <a:r>
@@ -26723,10 +26291,6 @@
               </a:rPr>
               <a:t>}</a:t>
             </a:r>
-            <a:endParaRPr lang="en-US" dirty="0">
-              <a:latin typeface="Consolas"/>
-              <a:cs typeface="Consolas"/>
-            </a:endParaRPr>
           </a:p>
         </p:txBody>
       </p:sp>
@@ -27184,7 +26748,6 @@
               <a:rPr lang="en-US" dirty="0" smtClean="0"/>
               <a:t>Global</a:t>
             </a:r>
-            <a:endParaRPr lang="en-US" dirty="0" smtClean="0"/>
           </a:p>
         </p:txBody>
       </p:sp>
@@ -27214,7 +26777,6 @@
               <a:rPr lang="en-US" dirty="0" smtClean="0"/>
               <a:t>Heap</a:t>
             </a:r>
-            <a:endParaRPr lang="en-US" dirty="0" smtClean="0"/>
           </a:p>
         </p:txBody>
       </p:sp>
@@ -27244,7 +26806,6 @@
               <a:rPr lang="en-US" dirty="0" smtClean="0"/>
               <a:t>Stack</a:t>
             </a:r>
-            <a:endParaRPr lang="en-US" dirty="0" smtClean="0"/>
           </a:p>
         </p:txBody>
       </p:sp>
@@ -27935,19 +27496,7 @@
             <a:pPr lvl="1"/>
             <a:r>
               <a:rPr lang="en-US" sz="2400" dirty="0" smtClean="0"/>
-              <a:t>possible solution</a:t>
-            </a:r>
-            <a:r>
-              <a:rPr lang="en-US" sz="2400" dirty="0" smtClean="0"/>
-              <a:t>: explicitly </a:t>
-            </a:r>
-            <a:r>
-              <a:rPr lang="en-US" sz="2400" dirty="0" smtClean="0"/>
-              <a:t>pass </a:t>
-            </a:r>
-            <a:r>
-              <a:rPr lang="en-US" sz="2400" dirty="0" smtClean="0"/>
-              <a:t>an </a:t>
+              <a:t>possible solution: explicitly pass an </a:t>
             </a:r>
             <a:r>
               <a:rPr lang="en-US" sz="2400" dirty="0" err="1" smtClean="0"/>
@@ -27955,11 +27504,7 @@
             </a:r>
             <a:r>
               <a:rPr lang="en-US" sz="2400" dirty="0" smtClean="0"/>
-              <a:t> </a:t>
-            </a:r>
-            <a:r>
-              <a:rPr lang="en-US" sz="2400" dirty="0" smtClean="0"/>
-              <a:t>representing length</a:t>
+              <a:t> representing length</a:t>
             </a:r>
           </a:p>
           <a:p>
@@ -28620,28 +28165,7 @@
                 <a:latin typeface="Consolas"/>
                 <a:cs typeface="Consolas"/>
               </a:rPr>
-              <a:t>void </a:t>
-            </a:r>
-            <a:r>
-              <a:rPr lang="en-US" dirty="0" smtClean="0">
-                <a:latin typeface="Consolas"/>
-                <a:cs typeface="Consolas"/>
-              </a:rPr>
-              <a:t>insert</a:t>
-            </a:r>
-            <a:r>
-              <a:rPr lang="en-US" dirty="0" smtClean="0">
-                <a:latin typeface="Consolas"/>
-                <a:cs typeface="Consolas"/>
-              </a:rPr>
-              <a:t>(node </a:t>
-            </a:r>
-            <a:r>
-              <a:rPr lang="en-US" dirty="0" smtClean="0">
-                <a:latin typeface="Consolas"/>
-                <a:cs typeface="Consolas"/>
-              </a:rPr>
-              <a:t>**</a:t>
+              <a:t>void insert(node **</a:t>
             </a:r>
             <a:r>
               <a:rPr lang="en-US" dirty="0" err="1" smtClean="0">
@@ -28684,10 +28208,6 @@
               </a:rPr>
               <a:t>{</a:t>
             </a:r>
-            <a:endParaRPr lang="en-US" dirty="0" smtClean="0">
-              <a:latin typeface="Consolas"/>
-              <a:cs typeface="Consolas"/>
-            </a:endParaRPr>
           </a:p>
           <a:p>
             <a:r>
@@ -29028,10 +28548,6 @@
               </a:rPr>
               <a:t>  }  </a:t>
             </a:r>
-            <a:endParaRPr lang="en-US" dirty="0" smtClean="0">
-              <a:latin typeface="Consolas"/>
-              <a:cs typeface="Consolas"/>
-            </a:endParaRPr>
           </a:p>
           <a:p>
             <a:r>
@@ -29041,10 +28557,6 @@
               </a:rPr>
               <a:t>}</a:t>
             </a:r>
-            <a:endParaRPr lang="en-US" dirty="0">
-              <a:latin typeface="Consolas"/>
-              <a:cs typeface="Consolas"/>
-            </a:endParaRPr>
           </a:p>
         </p:txBody>
       </p:sp>
@@ -29506,7 +29018,6 @@
               <a:rPr lang="en-US" dirty="0" smtClean="0"/>
               <a:t>Global</a:t>
             </a:r>
-            <a:endParaRPr lang="en-US" dirty="0" smtClean="0"/>
           </a:p>
         </p:txBody>
       </p:sp>
@@ -29536,7 +29047,6 @@
               <a:rPr lang="en-US" dirty="0" smtClean="0"/>
               <a:t>Heap</a:t>
             </a:r>
-            <a:endParaRPr lang="en-US" dirty="0" smtClean="0"/>
           </a:p>
         </p:txBody>
       </p:sp>
@@ -29566,7 +29076,6 @@
               <a:rPr lang="en-US" dirty="0" smtClean="0"/>
               <a:t>Stack</a:t>
             </a:r>
-            <a:endParaRPr lang="en-US" dirty="0" smtClean="0"/>
           </a:p>
         </p:txBody>
       </p:sp>
@@ -37164,15 +36673,7 @@
             <a:pPr lvl="1"/>
             <a:r>
               <a:rPr lang="en-US" dirty="0" smtClean="0"/>
-              <a:t>Possible solution: explicitly </a:t>
-            </a:r>
-            <a:r>
-              <a:rPr lang="en-US" dirty="0" smtClean="0"/>
-              <a:t>pass </a:t>
-            </a:r>
-            <a:r>
-              <a:rPr lang="en-US" dirty="0" smtClean="0"/>
-              <a:t>an </a:t>
+              <a:t>Possible solution: explicitly pass an </a:t>
             </a:r>
             <a:r>
               <a:rPr lang="en-US" dirty="0" err="1" smtClean="0"/>
@@ -37180,11 +36681,7 @@
             </a:r>
             <a:r>
               <a:rPr lang="en-US" dirty="0" smtClean="0"/>
-              <a:t> </a:t>
-            </a:r>
-            <a:r>
-              <a:rPr lang="en-US" dirty="0" smtClean="0"/>
-              <a:t>representing length</a:t>
+              <a:t> representing length</a:t>
             </a:r>
           </a:p>
           <a:p>
